--- a/EMG.pptx
+++ b/EMG.pptx
@@ -8,14 +8,14 @@
     <p:sldId id="256" r:id="rId2"/>
     <p:sldId id="258" r:id="rId3"/>
     <p:sldId id="269" r:id="rId4"/>
-    <p:sldId id="257" r:id="rId5"/>
-    <p:sldId id="264" r:id="rId6"/>
-    <p:sldId id="265" r:id="rId7"/>
-    <p:sldId id="259" r:id="rId8"/>
-    <p:sldId id="261" r:id="rId9"/>
-    <p:sldId id="262" r:id="rId10"/>
-    <p:sldId id="260" r:id="rId11"/>
-    <p:sldId id="263" r:id="rId12"/>
+    <p:sldId id="263" r:id="rId5"/>
+    <p:sldId id="257" r:id="rId6"/>
+    <p:sldId id="264" r:id="rId7"/>
+    <p:sldId id="265" r:id="rId8"/>
+    <p:sldId id="259" r:id="rId9"/>
+    <p:sldId id="261" r:id="rId10"/>
+    <p:sldId id="262" r:id="rId11"/>
+    <p:sldId id="260" r:id="rId12"/>
     <p:sldId id="266" r:id="rId13"/>
     <p:sldId id="267" r:id="rId14"/>
     <p:sldId id="268" r:id="rId15"/>
@@ -117,6 +117,11 @@
       </a:defRPr>
     </a:lvl9pPr>
   </p:defaultTextStyle>
+  <p:extLst>
+    <p:ext uri="{EFAFB233-063F-42B5-8137-9DF3F51BA10A}">
+      <p15:sldGuideLst xmlns:p15="http://schemas.microsoft.com/office/powerpoint/2012/main"/>
+    </p:ext>
+  </p:extLst>
 </p:presentation>
 </file>
 
@@ -149,6 +154,247 @@
     </inkml:brush>
   </inkml:definitions>
   <inkml:trace contextRef="#ctx0" brushRef="#br0">534 119 24575,'0'0'0,"-5"0"0,-8 0 0,-6 0 0,-4 6 0,-3 0 0,2 6 0,6 5 0,0-2 0,-2 4 0,-2-3 0,4 3 0,4 2 0,-2-4 0,4 3 0,-3 1 0,2 3 0,-3-4 0,4 2 0,1 0 0,4 2 0,3 3 0,-4-5 0,1 1 0,1 0 0,2 2 0,-5-5 0,-5-4 0,1 0 0,2 2 0,3 3 0,-4-3 0,3 2 0,2 2 0,-4 3 0,1 1 0,2 2 0,3 1 0,1 0 0,2 1 0,-4-6 0,-1-1 0,2 1 0,0 1 0,-4-5 0,1 2 0,1 0 0,2 2 0,1 2 0,2 1 0,1 2 0,1 0 0,6-6 0,6-5 0,0 0 0,6-5 0,2-3 0,4-4 0,2-3 0,3-1 0,0-2 0,1-1 0,1 1 0,-1-1 0,0 0 0,0 1 0,-6-7 0,-1 1 0,1-1 0,-6-4 0,2 1 0,1 2 0,-3-4 0,1 2 0,-3-4 0,1 1 0,3 4 0,2 2 0,-3-4 0,2 3 0,-4-5 0,1 2 0,-4-4 0,3 2 0,-4-3 0,3 3 0,-2-4 0,2 3 0,-3-2 0,3-4 0,3 3 0,-2-2 0,-4-2 0,2-3 0,-3-1 0,3 3 0,-3-1 0,-3 0 0,-2-2 0,-3-2 0,-2-1 0,-1 0 0,-1-2 0,-1 1 0,1-1 0,-1 1 0,1-1 0,0 0 0,-1 0 0,1 0 0,0 1 0,0-1 0,0 1 0,0-1 0,-5 7 0,-1-1 0,-6 6 0,-5 6 0,1-2 0,-3 3 0,3-2 0,-2 1 0,4-2 0,2-5 0,-1 4 0,2-4 0,-4 3 0,-2 5 0,-5 3 0,3-3 0,-2 2 0,5-3 0,-3 1 0,5-4 0,3-3 0,3 7 0,4 4 0</inkml:trace>
+</inkml:ink>
+</file>
+
+<file path=ppt/ink/ink10.xml><?xml version="1.0" encoding="utf-8"?>
+<inkml:ink xmlns:inkml="http://www.w3.org/2003/InkML">
+  <inkml:definitions>
+    <inkml:context xml:id="ctx0">
+      <inkml:inkSource xml:id="inkSrc0">
+        <inkml:traceFormat>
+          <inkml:channel name="X" type="integer" min="-2.14748E9" max="2.14748E9" units="cm"/>
+          <inkml:channel name="Y" type="integer" min="-2.14748E9" max="2.14748E9" units="cm"/>
+          <inkml:channel name="F" type="integer" max="32767" units="dev"/>
+        </inkml:traceFormat>
+        <inkml:channelProperties>
+          <inkml:channelProperty channel="X" name="resolution" value="1000" units="1/cm"/>
+          <inkml:channelProperty channel="Y" name="resolution" value="1000" units="1/cm"/>
+          <inkml:channelProperty channel="F" name="resolution" value="0" units="1/dev"/>
+        </inkml:channelProperties>
+      </inkml:inkSource>
+      <inkml:timestamp xml:id="ts0" timeString="2024-08-02T10:12:25.498"/>
+    </inkml:context>
+    <inkml:brush xml:id="br0">
+      <inkml:brushProperty name="width" value="0.05" units="cm"/>
+      <inkml:brushProperty name="height" value="0.05" units="cm"/>
+      <inkml:brushProperty name="color" value="#AE198D"/>
+      <inkml:brushProperty name="inkEffects" value="galaxy"/>
+      <inkml:brushProperty name="anchorX" value="-7977.35254"/>
+      <inkml:brushProperty name="anchorY" value="-3049.47168"/>
+      <inkml:brushProperty name="scaleFactor" value="0.5"/>
+    </inkml:brush>
+  </inkml:definitions>
+  <inkml:trace contextRef="#ctx0" brushRef="#br0">149 1 24575,'0'0'0,"0"5"0,-6 2 0,0 5 0,-6 5 0,1 4 0,-4 5 0,2 2 0,-4 1 0,3 2 0,3-1 0,-2 0 0,2 1 0,3-1 0,2 0 0,3 0 0,1-1 0,1 1 0,1-1 0,1 1 0,-1-1 0,1 1 0,-1-1 0,0 1 0,0 0 0,1-1 0,4-5 0,1-1 0,6-5 0,-1 0 0,5-4 0,-3 2 0,-2 2 0,2-2 0,4-3 0,-2 2 0,-3 2 0,2-1 0,3-4 0,4-3 0,4-4 0,2-2 0,1-2 0,2-1 0,0 0 0,0-1 0,0 0 0,0 1 0,0-1 0,0 1 0,0 0 0,-1 0 0,1 0 0,-7 6 0,1 0 0,-1 0 0,1-1 0,2-2 0,2 0 0,0-2 0,1-1 0,-5-5 0,0-2 0,-7-5 0,2 1 0,1 1 0,-4-3 0,3-4 0,1 1 0,-2-2 0,1 3 0,-3-3 0,2 4 0,2 3 0,3-2 0,2 2 0,-4-3 0,1 3 0,-4-4 0,-5-4 0,1 3 0,-3-3 0,2 3 0,-1-2 0,3 4 0,4 3 0,-3-3 0,-2-2 0,1-4 0,-3-4 0,-3-2 0,3-2 0,-2-1 0,-2-1 0,-3-1 0,-2 1 0,-1 0 0,-1 0 0,-1 0 0,-1 0 0,1 1 0,0-1 0,-1 1 0,1-1 0,-6 6 0,-6 7 0,-6 5 0,-5 5 0,-4 4 0,-2 3 0,5-5 0,-1 0 0,1 0 0,-2 1 0,0 1 0,-2 1 0,-1 2 0,0-1 0,-1 1 0,1 0 0,-1 0 0,0 1 0,1-1 0,-1 0 0,1 0 0,-1 0 0,0 0 0,1 0 0,5 0 0</inkml:trace>
+</inkml:ink>
+</file>
+
+<file path=ppt/ink/ink11.xml><?xml version="1.0" encoding="utf-8"?>
+<inkml:ink xmlns:inkml="http://www.w3.org/2003/InkML">
+  <inkml:definitions>
+    <inkml:context xml:id="ctx0">
+      <inkml:inkSource xml:id="inkSrc0">
+        <inkml:traceFormat>
+          <inkml:channel name="X" type="integer" min="-2.14748E9" max="2.14748E9" units="cm"/>
+          <inkml:channel name="Y" type="integer" min="-2.14748E9" max="2.14748E9" units="cm"/>
+          <inkml:channel name="F" type="integer" max="32767" units="dev"/>
+        </inkml:traceFormat>
+        <inkml:channelProperties>
+          <inkml:channelProperty channel="X" name="resolution" value="1000" units="1/cm"/>
+          <inkml:channelProperty channel="Y" name="resolution" value="1000" units="1/cm"/>
+          <inkml:channelProperty channel="F" name="resolution" value="0" units="1/dev"/>
+        </inkml:channelProperties>
+      </inkml:inkSource>
+      <inkml:timestamp xml:id="ts0" timeString="2024-08-02T12:03:26.388"/>
+    </inkml:context>
+    <inkml:brush xml:id="br0">
+      <inkml:brushProperty name="width" value="0.05" units="cm"/>
+      <inkml:brushProperty name="height" value="0.05" units="cm"/>
+      <inkml:brushProperty name="color" value="#AE198D"/>
+      <inkml:brushProperty name="inkEffects" value="galaxy"/>
+      <inkml:brushProperty name="anchorX" value="-9359.83789"/>
+      <inkml:brushProperty name="anchorY" value="-3896.17285"/>
+      <inkml:brushProperty name="scaleFactor" value="0.5"/>
+    </inkml:brush>
+  </inkml:definitions>
+  <inkml:trace contextRef="#ctx0" brushRef="#br0">1033 60 24575,'0'0'0,"-5"0"0,-7 0 0,-6 0 0,-5 0 0,-3 0 0,-3 0 0,5-6 0,-1 0 0,0 0 0,-1 1 0,-1 1 0,0 2 0,-2 1 0,0 0 0,6-5 0,-1 1 0,1-1 0,-2 1 0,-1 2 0,-2 1 0,0 1 0,-1 0 0,-1 1 0,1 0 0,5 6 0,0 1 0,7 5 0,-2-1 0,-1-2 0,3 4 0,-2 4 0,4 4 0,4 4 0,3 2 0,-2-4 0,2 1 0,-4-6 0,1 1 0,2 1 0,-3 3 0,-4 8 0,-5 2 0,3 2 0,-2-7 0,3 0 0,4-2 0,4 0 0,3 0 0,4 2 0,-5-6 0,-4 1 0,-1 0 0,2 2 0,-3-5 0,1 2 0,3 0 0,3 2 0,2 2 0,7-5 0,3 2 0,5-6 0,6-4 0,6-5 0,3-4 0,2-2 0,2-1 0,0-2 0,-5 6 0,-1 0 0,1 0 0,0 0 0,1 4 0,2 0 0,0-2 0,1-1 0,1-2 0,-1-2 0,1-1 0,-1 0 0,1-1 0,0-1 0,0 1 0,-1 0 0,-5-7 0,0 0 0,-1 1 0,-4-5 0,0 1 0,2-4 0,2 1 0,3 3 0,1 3 0,-4-3 0,0 1 0,1 2 0,-5-4 0,1 2 0,2 1 0,-5-3 0,3 1 0,1-4 0,2 2 0,-3-3 0,2-5 0,1 4 0,1 2 0,2 4 0,-4-2 0,1 3 0,0 1 0,-5-3 0,2-4 0,2 2 0,-5-4 0,3 2 0,2-2 0,1 3 0,3 3 0,2-2 0,-6-4 0,2 3 0,-1 2 0,-4-2 0,1 3 0,-4-4 0,-10 2 0,-5 3 0</inkml:trace>
+</inkml:ink>
+</file>
+
+<file path=ppt/ink/ink12.xml><?xml version="1.0" encoding="utf-8"?>
+<inkml:ink xmlns:inkml="http://www.w3.org/2003/InkML">
+  <inkml:definitions>
+    <inkml:context xml:id="ctx0">
+      <inkml:inkSource xml:id="inkSrc0">
+        <inkml:traceFormat>
+          <inkml:channel name="X" type="integer" min="-2.14748E9" max="2.14748E9" units="cm"/>
+          <inkml:channel name="Y" type="integer" min="-2.14748E9" max="2.14748E9" units="cm"/>
+          <inkml:channel name="F" type="integer" max="32767" units="dev"/>
+        </inkml:traceFormat>
+        <inkml:channelProperties>
+          <inkml:channelProperty channel="X" name="resolution" value="1000" units="1/cm"/>
+          <inkml:channelProperty channel="Y" name="resolution" value="1000" units="1/cm"/>
+          <inkml:channelProperty channel="F" name="resolution" value="0" units="1/dev"/>
+        </inkml:channelProperties>
+      </inkml:inkSource>
+      <inkml:timestamp xml:id="ts0" timeString="2024-08-02T12:03:29.520"/>
+    </inkml:context>
+    <inkml:brush xml:id="br0">
+      <inkml:brushProperty name="width" value="0.05" units="cm"/>
+      <inkml:brushProperty name="height" value="0.05" units="cm"/>
+      <inkml:brushProperty name="color" value="#AE198D"/>
+      <inkml:brushProperty name="inkEffects" value="galaxy"/>
+      <inkml:brushProperty name="anchorX" value="-10723.17578"/>
+      <inkml:brushProperty name="anchorY" value="-5050.04736"/>
+      <inkml:brushProperty name="scaleFactor" value="0.5"/>
+    </inkml:brush>
+  </inkml:definitions>
+  <inkml:trace contextRef="#ctx0" brushRef="#br0">1 119 24575,'0'0'0,"5"0"0,8 0 0,5 0 0,4 0 0,5 0 0,2 0 0,2 0 0,-1 0 0,1 0 0,0 0 0,-1 0 0,0 0 0,0 0 0,-1 0 0,1 0 0,0 0 0,-1 0 0,1 0 0,-1 0 0,0 0 0,0 0 0,1 0 0,0 0 0,-1 0 0,1 0 0,0 0 0,-1 0 0,0 0 0,1 0 0,-1 0 0,1 0 0,0 0 0,-1 0 0,1 0 0,-1 0 0,1 0 0,-1 0 0,0 0 0,1 0 0,0 0 0,0 0 0,-1 0 0,1 0 0,-1 0 0,1 0 0,-1 0 0,1 0 0,-1 0 0,1 0 0,0 0 0,-1 0 0,0 0 0,1 0 0,-1 0 0,1 0 0,0 0 0,-7 6 0,1 0 0,0 0 0,0-1 0,2-2 0,1 0 0,-5 4 0,1 0 0,0 0 0,2-2 0,1-2 0,2 0 0,1-2 0,0-1 0,0 0 0,1 0 0,0-1 0,-1 1 0,1 0 0,0 0 0,0 0 0,0 0 0,-1 0 0,0 0 0,1 0 0,-1 0 0,1 0 0,-1 0 0,1 0 0,0 0 0,-1 0 0,1 0 0,-1 0 0,0 0 0,1 0 0,-6-7 0,0 1 0,-1 0 0,2 0 0,1-3 0,1 0 0,1 2 0,1 1 0,0 3 0,1 1 0,-6-5 0,0 1 0,-1 0 0,-4-5 0,1 2 0,2 1 0,1 2 0,2 2 0,2 2 0,-5-5 0,2 1 0,-1 0 0,3 1 0,0 2 0,2 1 0,0 1 0,1 1 0,1 0 0,-1 0 0,1 1 0,0-1 0,0 0 0,0 0 0,-1 0 0,1 0 0,-1 0 0,0 0 0,1 0 0,0 0 0,-1 0 0,1 0 0,0 0 0,-1 0 0,0 0 0,1 0 0,-1 0 0,1 0 0,0 0 0,-1 0 0,1 0 0,-1 0 0,1 0 0,-1 0 0,0 0 0,1 0 0,0 0 0,0 0 0,-1 0 0,1 0 0,-1 0 0,1 0 0,-1 0 0,1-6 0,-1 0 0,1 0 0,0 1 0,-1 2 0,0 1 0,1 0 0,-1 2 0,1 0 0,0 0 0,-1 0 0,1 0 0,-1 1 0,1-1 0,-1 0 0,1 0 0,-1 0 0,1 0 0,-1 0 0,1 0 0,0 0 0,-1 0 0,-5 6 0,-1 0 0,0 0 0,-4 5 0,1-2 0,1-1 0,2-1 0,3 3 0,1-2 0,2-1 0,0-2 0,1-1 0,-1-3 0,1 0 0,0-1 0,0 0 0,0 0 0,0 0 0,-1-1 0,1 1 0,-1 0 0,0 0 0,1 0 0,0 0 0,-1 0 0,1 0 0,0 0 0,-1 0 0,0 0 0,1 0 0,-1 0 0,1 0 0,0 0 0,-1 0 0,1 0 0,-1 0 0,1 0 0,-1 0 0,0 0 0,1 0 0,0 0 0,-1 0 0,1 0 0,0 0 0,-1 0 0,0 0 0,1 0 0,-1 0 0,1 0 0,0 0 0,-1 0 0,1 0 0,-1 0 0,1 0 0,-1 0 0,0 0 0,-5 0 0</inkml:trace>
+</inkml:ink>
+</file>
+
+<file path=ppt/ink/ink13.xml><?xml version="1.0" encoding="utf-8"?>
+<inkml:ink xmlns:inkml="http://www.w3.org/2003/InkML">
+  <inkml:definitions>
+    <inkml:context xml:id="ctx0">
+      <inkml:inkSource xml:id="inkSrc0">
+        <inkml:traceFormat>
+          <inkml:channel name="X" type="integer" min="-2.14748E9" max="2.14748E9" units="cm"/>
+          <inkml:channel name="Y" type="integer" min="-2.14748E9" max="2.14748E9" units="cm"/>
+        </inkml:traceFormat>
+        <inkml:channelProperties>
+          <inkml:channelProperty channel="X" name="resolution" value="1000" units="1/cm"/>
+          <inkml:channelProperty channel="Y" name="resolution" value="1000" units="1/cm"/>
+        </inkml:channelProperties>
+      </inkml:inkSource>
+      <inkml:timestamp xml:id="ts0" timeString="2024-07-31T12:11:38.279"/>
+    </inkml:context>
+    <inkml:brush xml:id="br0">
+      <inkml:brushProperty name="width" value="0.1" units="cm"/>
+      <inkml:brushProperty name="height" value="0.2" units="cm"/>
+      <inkml:brushProperty name="color" value="#FFFC00"/>
+      <inkml:brushProperty name="tip" value="rectangle"/>
+      <inkml:brushProperty name="rasterOp" value="maskPen"/>
+      <inkml:brushProperty name="ignorePressure" value="1"/>
+    </inkml:brush>
+  </inkml:definitions>
+  <inkml:trace contextRef="#ctx0" brushRef="#br0">1 269,'2'0,"0"-1,1 1,-1-1,0 0,1 0,-1 0,0 0,3-2,13-5,105-17,-105 21,1 1,23-2,-30 5,-1-1,1 0,-1-1,0 0,1-1,-1 0,0-1,17-8,-17 6,0 1,0 0,0 1,1 0,-1 1,1 0,0 1,0 0,22 1,-2-2,39-11,-52 10,1 0,21-2,276 4,-162 4,-51-1,117-3,-138-12,-54 9,36-4,-41 6,40-9,-40 7,42-5,2 9,-38 1,0-1,48-9,-36 2,52-13,-74 15,1 1,0 1,0 1,22 0,88 4,-52 1,-11-2,70 1,-113 4,-6 1</inkml:trace>
+</inkml:ink>
+</file>
+
+<file path=ppt/ink/ink14.xml><?xml version="1.0" encoding="utf-8"?>
+<inkml:ink xmlns:inkml="http://www.w3.org/2003/InkML">
+  <inkml:definitions>
+    <inkml:context xml:id="ctx0">
+      <inkml:inkSource xml:id="inkSrc0">
+        <inkml:traceFormat>
+          <inkml:channel name="X" type="integer" min="-2.14748E9" max="2.14748E9" units="cm"/>
+          <inkml:channel name="Y" type="integer" min="-2.14748E9" max="2.14748E9" units="cm"/>
+        </inkml:traceFormat>
+        <inkml:channelProperties>
+          <inkml:channelProperty channel="X" name="resolution" value="1000" units="1/cm"/>
+          <inkml:channelProperty channel="Y" name="resolution" value="1000" units="1/cm"/>
+        </inkml:channelProperties>
+      </inkml:inkSource>
+      <inkml:timestamp xml:id="ts0" timeString="2024-07-31T12:11:47.394"/>
+    </inkml:context>
+    <inkml:brush xml:id="br0">
+      <inkml:brushProperty name="width" value="0.1" units="cm"/>
+      <inkml:brushProperty name="height" value="0.2" units="cm"/>
+      <inkml:brushProperty name="color" value="#FFFC00"/>
+      <inkml:brushProperty name="tip" value="rectangle"/>
+      <inkml:brushProperty name="rasterOp" value="maskPen"/>
+      <inkml:brushProperty name="ignorePressure" value="1"/>
+    </inkml:brush>
+  </inkml:definitions>
+  <inkml:trace contextRef="#ctx0" brushRef="#br0">1 181,'740'0,"-721"1,-1 1,1 0,20 7,-17-4,39 4,16-8,-54-2,0 1,-1 1,1 1,33 8,-31-5,0-1,38 3,-19-4,25 10,-49-8,41 4,62-9,19 1,-122 2,31 8,-33-6,1-1,21 1,219-3,-134-3,-106 0,-1-1,1-1,21-6,-19 4,40-4,-37 6,38-9,-38 7,42-5,110 11,32-3,-187 0,29-9,-32 6,1 1,21-2,126 7,22-3,-167-1,29-8,-31 7,-1 0,23-2,111 6,19-1,-150-2,30-8,-33 6,1 1,21-1,278 2,-164 5,821-2,-959-1,0 0,0-2,23-6,25-3,-39 8,29-8,-33 6,0 1,32-2,11 6,-43 2,0-2,-1 0,1-1,26-6,72-22,-100 25,1 0,0 1,1 1,25-1,85 6,-52 0,630-2,-690-1,0-1,-1-1,22-5,-18 2,39-3,256 7,-163 4,-141-2,5-1,1 2,0 0,0 1,29 6,-22-1,0-2,0-1,35 1,82-6,-58-1,-46 2,-16-2,0 2,-1 1,1 1,41 9,113 49,-174-59,-1 0,1 0,0 0,0-1,0 1,-1-1,1 1,0-1,0 0,5-1,-6 1,0-1,0 1,0-1,-1 0,1 0,-1 0,1 0,0 0,-1 0,0 0,1 0,-1 0,0-1,1 1,-1-1,0 1,0-1,1-1,1-2,0 1,0 0,1 0,-1 0,1 0,0 1,1-1,-1 1,0 0,1 1,0-1,-1 1,1 0,0 0,0 0,0 0,1 1,6-1,10 0,0 0,0 2,27 2,-12-1,-20 0,0 0,-1 1,1 0,-1 2,1 0,-1 0,0 2,22 10,-23-10,1 0,23 5,5 1,74 18,-96-25,1 0,-1-2,35 2,-27-3,35 7,-20-1,88 3,47-12,-64 0,-22-1,106 4,-179 1,29 8,-31-6,-1-1,23 1,-6-3,-16-2,0 1,-1 1,25 6,36 15,-16-5,73 12,-87-23,7 0,94 26,-127-28,1 0,34 3,25 4,-19 4,69 27,-86-30,-37-11,0 0,0 1,0 0,0 1,8 5,8 4,-1 0,2-2,37 12,-42-19,-1-1,1 0,-1-2,28-1,-49 0,26 0</inkml:trace>
+</inkml:ink>
+</file>
+
+<file path=ppt/ink/ink15.xml><?xml version="1.0" encoding="utf-8"?>
+<inkml:ink xmlns:inkml="http://www.w3.org/2003/InkML">
+  <inkml:definitions>
+    <inkml:context xml:id="ctx0">
+      <inkml:inkSource xml:id="inkSrc0">
+        <inkml:traceFormat>
+          <inkml:channel name="X" type="integer" min="-2.14748E9" max="2.14748E9" units="cm"/>
+          <inkml:channel name="Y" type="integer" min="-2.14748E9" max="2.14748E9" units="cm"/>
+        </inkml:traceFormat>
+        <inkml:channelProperties>
+          <inkml:channelProperty channel="X" name="resolution" value="1000" units="1/cm"/>
+          <inkml:channelProperty channel="Y" name="resolution" value="1000" units="1/cm"/>
+        </inkml:channelProperties>
+      </inkml:inkSource>
+      <inkml:timestamp xml:id="ts0" timeString="2024-07-31T12:23:52.936"/>
+    </inkml:context>
+    <inkml:brush xml:id="br0">
+      <inkml:brushProperty name="width" value="0.1" units="cm"/>
+      <inkml:brushProperty name="height" value="0.2" units="cm"/>
+      <inkml:brushProperty name="color" value="#FFFC00"/>
+      <inkml:brushProperty name="tip" value="rectangle"/>
+      <inkml:brushProperty name="rasterOp" value="maskPen"/>
+      <inkml:brushProperty name="ignorePressure" value="1"/>
+    </inkml:brush>
+  </inkml:definitions>
+  <inkml:trace contextRef="#ctx0" brushRef="#br0">1 0,'0'0</inkml:trace>
+</inkml:ink>
+</file>
+
+<file path=ppt/ink/ink16.xml><?xml version="1.0" encoding="utf-8"?>
+<inkml:ink xmlns:inkml="http://www.w3.org/2003/InkML">
+  <inkml:definitions>
+    <inkml:context xml:id="ctx0">
+      <inkml:inkSource xml:id="inkSrc0">
+        <inkml:traceFormat>
+          <inkml:channel name="X" type="integer" min="-2.14748E9" max="2.14748E9" units="cm"/>
+          <inkml:channel name="Y" type="integer" min="-2.14748E9" max="2.14748E9" units="cm"/>
+        </inkml:traceFormat>
+        <inkml:channelProperties>
+          <inkml:channelProperty channel="X" name="resolution" value="1000" units="1/cm"/>
+          <inkml:channelProperty channel="Y" name="resolution" value="1000" units="1/cm"/>
+        </inkml:channelProperties>
+      </inkml:inkSource>
+      <inkml:timestamp xml:id="ts0" timeString="2024-07-31T12:23:54.722"/>
+    </inkml:context>
+    <inkml:brush xml:id="br0">
+      <inkml:brushProperty name="width" value="0.1" units="cm"/>
+      <inkml:brushProperty name="height" value="0.2" units="cm"/>
+      <inkml:brushProperty name="color" value="#FFFC00"/>
+      <inkml:brushProperty name="tip" value="rectangle"/>
+      <inkml:brushProperty name="rasterOp" value="maskPen"/>
+      <inkml:brushProperty name="ignorePressure" value="1"/>
+    </inkml:brush>
+  </inkml:definitions>
+  <inkml:trace contextRef="#ctx0" brushRef="#br0">0 1,'0'0</inkml:trace>
+</inkml:ink>
+</file>
+
+<file path=ppt/ink/ink17.xml><?xml version="1.0" encoding="utf-8"?>
+<inkml:ink xmlns:inkml="http://www.w3.org/2003/InkML">
+  <inkml:definitions>
+    <inkml:context xml:id="ctx0">
+      <inkml:inkSource xml:id="inkSrc0">
+        <inkml:traceFormat>
+          <inkml:channel name="X" type="integer" min="-2.14748E9" max="2.14748E9" units="cm"/>
+          <inkml:channel name="Y" type="integer" min="-2.14748E9" max="2.14748E9" units="cm"/>
+        </inkml:traceFormat>
+        <inkml:channelProperties>
+          <inkml:channelProperty channel="X" name="resolution" value="1000" units="1/cm"/>
+          <inkml:channelProperty channel="Y" name="resolution" value="1000" units="1/cm"/>
+        </inkml:channelProperties>
+      </inkml:inkSource>
+      <inkml:timestamp xml:id="ts0" timeString="2024-07-31T17:39:35.512"/>
+    </inkml:context>
+    <inkml:brush xml:id="br0">
+      <inkml:brushProperty name="width" value="0.1" units="cm"/>
+      <inkml:brushProperty name="height" value="0.2" units="cm"/>
+      <inkml:brushProperty name="color" value="#FFFC00"/>
+      <inkml:brushProperty name="tip" value="rectangle"/>
+      <inkml:brushProperty name="rasterOp" value="maskPen"/>
+      <inkml:brushProperty name="ignorePressure" value="1"/>
+    </inkml:brush>
+  </inkml:definitions>
+  <inkml:trace contextRef="#ctx0" brushRef="#br0">914 1184,'2'-1,"0"1,0-1,1 1,-1-1,0 0,0 0,0 0,4-2,11-6,12 3,1 1,0 2,-1 1,1 1,39 4,-1-1,-44-1,0 1,-1 1,36 9,-30-7,-1-1,1-1,32-2,-31-1,1 1,45 9,-30-2,1-2,47 0,97-7,-67-1,-49 1,86 3,-158-2,0 1,0-1,-1 1,1 0,0 0,0 0,-1 0,1 0,0 1,-1-1,1 1,-1 0,0 0,0 0,0 0,1 0,-2 0,1 0,0 1,0-1,-1 1,1-1,-1 1,0-1,2 6,-2-4,0 0,-1 0,1 0,-1-1,1 1,-1 0,0 0,-1 0,1 0,-1 0,0 0,1-1,-2 1,1 0,0-1,-1 1,0 0,0-1,-2 4,-86 134,6-9,70-115,0 0,-18 15,18-19,1 1,-23 30,13-11,-2 0,0-1,-46 42,63-65,0 0,0 0,1 1,-11 20,12-19,0 0,-1-1,-1 1,-9 9,-8 7,0 1,2 2,2 0,-27 49,29-49,-42 51,42-58,0 1,2 1,-18 34,28-46,-1 0,-1-1,0 0,0 0,-1-1,0-1,-1 0,-17 13,20-16,2-2,-12 9,17-14,1 1,0-1,-1 0,1 0,-1 0,1 0,-1 0,1 0,-1 0,1 0,0 0,-1 0,1 0,-1-1,1 1,-1 0,1 0,0 0,-1 0,1-1,0 1,-1 0,1-1,0 1,-1 0,1 0,0-1,-1 1,1 0,0-1,0 1,-1-1,1 1,0 0,0-1,0 1,0-1,-1 1,1 0,0-1,0 1,0-1,0 1,0-1,0 0,-3-22,2-1,0 1,4-44,-1 9,-1-438,-3 454,-15-82,9 74,-40-162,15 76,23 73,6 37,-7-29,3 22,-3-39,2 9,2 15,-1-56,4 29,-9-16,7 58,-3-48,8-266,3 162,-3 178,1 0,0 0,1 0,0 0,0 1,0-1,1 0,0 0,0 1,0-1,5-6,-7 13,0 0,0 0,0 0,0 0,0 0,0 0,0 0,0 0,0-1,0 1,0 0,0 0,1 0,-1 0,0 0,0 0,0 0,0 0,0 0,0 0,0 0,0 0,1 0,-1 0,0 0,0 0,0 0,0 0,0 0,0 0,1 0,-1 0,0 0,0 0,0 0,0 0,0 0,0 0,0 0,0 0,1 0,-1 0,0 0,0 1,0-1,0 0,0 0,0 0,0 0,4 9,-1 10,1 24,11 43,34 87,-25-81,-2-4,-3-39,27 51,-17-40,22 74,-43-110,1 6,8 42,-14-51,1 0,2 0,0 0,1-1,12 24,10 10,-3 1,-1 2,27 99,-49-147,0 1,0-1,1-1,0 1,1 0,0-1,11 14,2-1,30 26,-43-43,1 2,0 1,-1 0,0 0,0 0,-1 1,1 0,-2-1,1 2,-1-1,2 10,0 2,-1-1,0 0,0 30,-4-40,0-5,-1 0,1 0,1 0,-1-1,0 1,1 0,0 0,0-1,0 1,0 0,1-1,3 7,-5-10,0 0,0 0,1 0,-1 0,0 0,1 0,-1 0,0 0,1 0,-1 0,0 0,0 0,1 0,-1 0,0 0,1 0,-1 0,0 0,0-1,1 1,-1 0,0 0,0 0,1 0,-1-1,0 1,0 0,0 0,1-1,-1 1,0 0,0 0,0-1,0 1,1 0,-1 0,0-1,0 1,0 0,0-1,8-15,-6 13,3-10,0 0,0-1,-1 1,-1-1,-1 0,3-25,-6-89,0 69,0 42,0 0,0 0,-2 1,0-1,-8-21,9 30,-1 0,-1 0,0 0,0 1,0-1,-1 1,0 0,-1 0,1 1,-1 0,-1 0,-6-6,-89-67,-62-41,140 105,-16-10,-64-29,88 47,1 0,-1 0,1 1,-1 1,-1 1,1 0,-32-3,16 5,5 2,0-2,-34-6,15-1,1 3,-52-1,-95 8,69 2,-497-3,595 0</inkml:trace>
 </inkml:ink>
 </file>
 
@@ -192,24 +438,27 @@
         <inkml:traceFormat>
           <inkml:channel name="X" type="integer" min="-2.14748E9" max="2.14748E9" units="cm"/>
           <inkml:channel name="Y" type="integer" min="-2.14748E9" max="2.14748E9" units="cm"/>
+          <inkml:channel name="F" type="integer" max="32767" units="dev"/>
         </inkml:traceFormat>
         <inkml:channelProperties>
           <inkml:channelProperty channel="X" name="resolution" value="1000" units="1/cm"/>
           <inkml:channelProperty channel="Y" name="resolution" value="1000" units="1/cm"/>
+          <inkml:channelProperty channel="F" name="resolution" value="0" units="1/dev"/>
         </inkml:channelProperties>
       </inkml:inkSource>
-      <inkml:timestamp xml:id="ts0" timeString="2024-07-31T12:11:38.279"/>
+      <inkml:timestamp xml:id="ts0" timeString="2024-08-02T10:12:16.401"/>
     </inkml:context>
     <inkml:brush xml:id="br0">
-      <inkml:brushProperty name="width" value="0.1" units="cm"/>
-      <inkml:brushProperty name="height" value="0.2" units="cm"/>
-      <inkml:brushProperty name="color" value="#FFFC00"/>
-      <inkml:brushProperty name="tip" value="rectangle"/>
-      <inkml:brushProperty name="rasterOp" value="maskPen"/>
-      <inkml:brushProperty name="ignorePressure" value="1"/>
+      <inkml:brushProperty name="width" value="0.05" units="cm"/>
+      <inkml:brushProperty name="height" value="0.05" units="cm"/>
+      <inkml:brushProperty name="color" value="#AE198D"/>
+      <inkml:brushProperty name="inkEffects" value="galaxy"/>
+      <inkml:brushProperty name="anchorX" value="0"/>
+      <inkml:brushProperty name="anchorY" value="0"/>
+      <inkml:brushProperty name="scaleFactor" value="0.5"/>
     </inkml:brush>
   </inkml:definitions>
-  <inkml:trace contextRef="#ctx0" brushRef="#br0">1 269,'2'0,"0"-1,1 1,-1-1,0 0,1 0,-1 0,0 0,3-2,13-5,105-17,-105 21,1 1,23-2,-30 5,-1-1,1 0,-1-1,0 0,1-1,-1 0,0-1,17-8,-17 6,0 1,0 0,0 1,1 0,-1 1,1 0,0 1,0 0,22 1,-2-2,39-11,-52 10,1 0,21-2,276 4,-162 4,-51-1,117-3,-138-12,-54 9,36-4,-41 6,40-9,-40 7,42-5,2 9,-38 1,0-1,48-9,-36 2,52-13,-74 15,1 1,0 1,0 1,22 0,88 4,-52 1,-11-2,70 1,-113 4,-6 1</inkml:trace>
+  <inkml:trace contextRef="#ctx0" brushRef="#br0">326 1 24575,'0'0'0,"-5"0"0,-2 6 0,-4 0 0,-6 0 0,-5-1 0,3 4 0,-3-1 0,5 6 0,-2-2 0,4 4 0,-2-3 0,3 4 0,-3-4 0,4 4 0,-3-4 0,3 4 0,-3-4 0,3 3 0,3 3 0,3 3 0,2 4 0,3 1 0,-4-4 0,0 1 0,0 0 0,2 1 0,1 2 0,1 0 0,1 2 0,1 0 0,6-5 0,0 0 0,6-6 0,-1 0 0,5-3 0,-3 1 0,4-3 0,-3 2 0,-3 4 0,2-3 0,4-4 0,-2 3 0,3 3 0,3 3 0,2-3 0,-3 2 0,1 3 0,-4 2 0,2-5 0,1-4 0,3-5 0,-4 2 0,2-4 0,-4 4 0,1-2 0,-3 3 0,2-1 0,-4 2 0,3-2 0,-3 4 0,3-4 0,3-3 0,3 4 0,2-3 0,4 3 0,1-2 0,-5 4 0,0-3 0,0 3 0,1-3 0,1 3 0,-4 3 0,0-2 0,1-4 0,1-4 0,-4 3 0,2-3 0,1-2 0,1-2 0,2-2 0,-4-7 0,0-2 0,-4-6 0,-6-5 0,2 1 0,-3-3 0,-3-3 0,3 3 0,-2-1 0,4 3 0,-1-1 0,-3-2 0,-2-3 0,-3-3 0,5 5 0,-2-1 0,0-2 0,-2 0 0,4 3 0,-1 0 0,-1-2 0,-2-2 0,-2-1 0,-1-1 0,-1-2 0,5 6 0,0-1 0,0 1 0,-2-2 0,0-1 0,-2-2 0,-1 0 0,-1-2 0,0 1 0,0-1 0,0 0 0,0 1 0,-1-1 0,1 0 0,0 1 0,-6 5 0,0 0 0,-6 0 0,1 0 0,2-2 0,-5 5 0,3-1 0,-4 5 0,2-1 0,3 4 0</inkml:trace>
 </inkml:ink>
 </file>
 
@@ -221,24 +470,27 @@
         <inkml:traceFormat>
           <inkml:channel name="X" type="integer" min="-2.14748E9" max="2.14748E9" units="cm"/>
           <inkml:channel name="Y" type="integer" min="-2.14748E9" max="2.14748E9" units="cm"/>
+          <inkml:channel name="F" type="integer" max="32767" units="dev"/>
         </inkml:traceFormat>
         <inkml:channelProperties>
           <inkml:channelProperty channel="X" name="resolution" value="1000" units="1/cm"/>
           <inkml:channelProperty channel="Y" name="resolution" value="1000" units="1/cm"/>
+          <inkml:channelProperty channel="F" name="resolution" value="0" units="1/dev"/>
         </inkml:channelProperties>
       </inkml:inkSource>
-      <inkml:timestamp xml:id="ts0" timeString="2024-07-31T12:11:47.394"/>
+      <inkml:timestamp xml:id="ts0" timeString="2024-08-02T10:12:17.923"/>
     </inkml:context>
     <inkml:brush xml:id="br0">
-      <inkml:brushProperty name="width" value="0.1" units="cm"/>
-      <inkml:brushProperty name="height" value="0.2" units="cm"/>
-      <inkml:brushProperty name="color" value="#FFFC00"/>
-      <inkml:brushProperty name="tip" value="rectangle"/>
-      <inkml:brushProperty name="rasterOp" value="maskPen"/>
-      <inkml:brushProperty name="ignorePressure" value="1"/>
+      <inkml:brushProperty name="width" value="0.05" units="cm"/>
+      <inkml:brushProperty name="height" value="0.05" units="cm"/>
+      <inkml:brushProperty name="color" value="#AE198D"/>
+      <inkml:brushProperty name="inkEffects" value="galaxy"/>
+      <inkml:brushProperty name="anchorX" value="-1626.75806"/>
+      <inkml:brushProperty name="anchorY" value="-956.58032"/>
+      <inkml:brushProperty name="scaleFactor" value="0.5"/>
     </inkml:brush>
   </inkml:definitions>
-  <inkml:trace contextRef="#ctx0" brushRef="#br0">1 181,'740'0,"-721"1,-1 1,1 0,20 7,-17-4,39 4,16-8,-54-2,0 1,-1 1,1 1,33 8,-31-5,0-1,38 3,-19-4,25 10,-49-8,41 4,62-9,19 1,-122 2,31 8,-33-6,1-1,21 1,219-3,-134-3,-106 0,-1-1,1-1,21-6,-19 4,40-4,-37 6,38-9,-38 7,42-5,110 11,32-3,-187 0,29-9,-32 6,1 1,21-2,126 7,22-3,-167-1,29-8,-31 7,-1 0,23-2,111 6,19-1,-150-2,30-8,-33 6,1 1,21-1,278 2,-164 5,821-2,-959-1,0 0,0-2,23-6,25-3,-39 8,29-8,-33 6,0 1,32-2,11 6,-43 2,0-2,-1 0,1-1,26-6,72-22,-100 25,1 0,0 1,1 1,25-1,85 6,-52 0,630-2,-690-1,0-1,-1-1,22-5,-18 2,39-3,256 7,-163 4,-141-2,5-1,1 2,0 0,0 1,29 6,-22-1,0-2,0-1,35 1,82-6,-58-1,-46 2,-16-2,0 2,-1 1,1 1,41 9,113 49,-174-59,-1 0,1 0,0 0,0-1,0 1,-1-1,1 1,0-1,0 0,5-1,-6 1,0-1,0 1,0-1,-1 0,1 0,-1 0,1 0,0 0,-1 0,0 0,1 0,-1 0,0-1,1 1,-1-1,0 1,0-1,1-1,1-2,0 1,0 0,1 0,-1 0,1 0,0 1,1-1,-1 1,0 0,1 1,0-1,-1 1,1 0,0 0,0 0,0 0,1 1,6-1,10 0,0 0,0 2,27 2,-12-1,-20 0,0 0,-1 1,1 0,-1 2,1 0,-1 0,0 2,22 10,-23-10,1 0,23 5,5 1,74 18,-96-25,1 0,-1-2,35 2,-27-3,35 7,-20-1,88 3,47-12,-64 0,-22-1,106 4,-179 1,29 8,-31-6,-1-1,23 1,-6-3,-16-2,0 1,-1 1,25 6,36 15,-16-5,73 12,-87-23,7 0,94 26,-127-28,1 0,34 3,25 4,-19 4,69 27,-86-30,-37-11,0 0,0 1,0 0,0 1,8 5,8 4,-1 0,2-2,37 12,-42-19,-1-1,1 0,-1-2,28-1,-49 0,26 0</inkml:trace>
+  <inkml:trace contextRef="#ctx0" brushRef="#br0">1036 0 24575,'0'0'0,"-5"0"0,-7 0 0,-6 0 0,-5 0 0,2 6 0,-2 1 0,-1-1 0,-2-1 0,-1-1 0,-1 4 0,-1 0 0,-1-2 0,1 5 0,-1-1 0,6 4 0,0-2 0,1-3 0,-2-2 0,-1-2 0,4 3 0,0-1 0,-1 0 0,-1-3 0,4 5 0,-1 5 0,-2-1 0,4 3 0,-1-1 0,4 2 0,-1-2 0,-3-4 0,-2-4 0,-3 4 0,4 4 0,-1-2 0,-2 4 0,6 3 0,-3-3 0,6 3 0,3 2 0,-2-4 0,-2-4 0,1 1 0,3 3 0,-2 3 0,3 4 0,-4-5 0,3 3 0,3 0 0,-4-4 0,3 1 0,2 2 0,2 2 0,2 1 0,3 2 0,0 2 0,1 1 0,0-1 0,1 1 0,-1 0 0,0 0 0,1 0 0,5-6 0,0-1 0,6-6 0,-1 2 0,4-5 0,-2 3 0,4-4 0,-3 2 0,3-2 0,-3 3 0,3 3 0,2-3 0,4-3 0,2-4 0,-4 3 0,2-3 0,0 4-1136,-4 3 1461,1 0-487,-4 2 162,2-2 0,2 2-1096,2-4 1409,3-3-469,-3 3 156,0-4 0,-4 4 0,0-2 0,-3 3 0,1-2 0,3-3 0,3 3 0,3-3-180,-4 4 231,2-2-76,1-2 25,1 2 0,1-1 0,2-3 0,0-2 0,1 3 0,1-1 0,0-1 0,0-2 0,-6 4 1086,0 0-1396,-1-2 465,2-2-155,1-1 0,1-2 1324,1-1-1702,1 5 567,1 0-189,-1 0 0,1-2 0,0-1 0,0-6 0,-6-9 0,-1 0 0,0-5 0,-4-4 0,1 3 0,-5-3 0,3-1 0,1-3 0,4 5 0,-4-2 0,1 5 0,3 5 0,-5-2 0,2 3 0,-4-3 0,1 3 0,-3-5 0,2 4 0,-2-5 0,2 4 0,3 2 0,-3-2 0,4 3 0,1 1 0,-3-2 0,2 1 0,1 3 0,3 1 0,-4-3 0,1 1 0,2 1 0,-4-4 0,-5-4 0,2 1 0,-4-4 0,-3-2 0,3-4 0,-3-3 0,-1-1 0,-3-1 0,-2-1 0,-1 0 0,-2 0 0,0 0 0,0 0 0,0 0 0,-1 0 0,1 1 0,0-1 0,0 1 0,-1-1 0,-4 7 0,-1 0 0,-6 5 0,1 0 0,1-2 0,-3 3 0,2-2 0,-4 4 0,-4-2 0,-3 3 0,3-2 0,-2 3 0,4-3 0,-2 3 0,5-3 0,-3 3 0,3-3 0,-1 3 0,-5 3 0,-2 2 0,3-2 0,-3 1 0,6-4 0,3 2 0</inkml:trace>
 </inkml:ink>
 </file>
 
@@ -250,24 +502,27 @@
         <inkml:traceFormat>
           <inkml:channel name="X" type="integer" min="-2.14748E9" max="2.14748E9" units="cm"/>
           <inkml:channel name="Y" type="integer" min="-2.14748E9" max="2.14748E9" units="cm"/>
+          <inkml:channel name="F" type="integer" max="32767" units="dev"/>
         </inkml:traceFormat>
         <inkml:channelProperties>
           <inkml:channelProperty channel="X" name="resolution" value="1000" units="1/cm"/>
           <inkml:channelProperty channel="Y" name="resolution" value="1000" units="1/cm"/>
+          <inkml:channelProperty channel="F" name="resolution" value="0" units="1/dev"/>
         </inkml:channelProperties>
       </inkml:inkSource>
-      <inkml:timestamp xml:id="ts0" timeString="2024-07-31T12:23:52.936"/>
+      <inkml:timestamp xml:id="ts0" timeString="2024-08-02T10:12:19.142"/>
     </inkml:context>
     <inkml:brush xml:id="br0">
-      <inkml:brushProperty name="width" value="0.1" units="cm"/>
-      <inkml:brushProperty name="height" value="0.2" units="cm"/>
-      <inkml:brushProperty name="color" value="#FFFC00"/>
-      <inkml:brushProperty name="tip" value="rectangle"/>
-      <inkml:brushProperty name="rasterOp" value="maskPen"/>
-      <inkml:brushProperty name="ignorePressure" value="1"/>
+      <inkml:brushProperty name="width" value="0.05" units="cm"/>
+      <inkml:brushProperty name="height" value="0.05" units="cm"/>
+      <inkml:brushProperty name="color" value="#AE198D"/>
+      <inkml:brushProperty name="inkEffects" value="galaxy"/>
+      <inkml:brushProperty name="anchorX" value="-3017.01025"/>
+      <inkml:brushProperty name="anchorY" value="-2061.28467"/>
+      <inkml:brushProperty name="scaleFactor" value="0.5"/>
     </inkml:brush>
   </inkml:definitions>
-  <inkml:trace contextRef="#ctx0" brushRef="#br0">1 0,'0'0</inkml:trace>
+  <inkml:trace contextRef="#ctx0" brushRef="#br0">1450 563 24575,'0'0'0,"-5"0"0,-8 0 0,-5 0 0,-5 0 0,-4 0 0,-2 0 0,-1 0 0,-1 0 0,1 0 0,0 0 0,-1 0 0,1 0 0,0 0 0,0 0 0,6 5 0,1 2 0,0-1 0,-2-2 0,6 6 0,-2-2 0,-2-1 0,-1-1 0,4 3 0,-2 0 0,0-2 0,-2-2 0,-2-2 0,-2-1 0,6 5 0,-1-1-826,5 6 1062,-1-2-354,-2 0 118,-1 3 0,-3-2 0,-2 4 0,-2-3 0,6 4 0,0 3 0,-1-2 0,-1-4 0,-1 2 0,-2 3 0,5 3 826,0-3-1062,5 3 354,0 1-118,-2 2 0,-3 3 0,4 1 0,-1-5 0,4 1 0,-2-7 0,-3 2 0,4 1 0,4 3 0,3 2 0,-1-5 0,2 3 0,-4-6 0,2 2 0,2 2 0,-3-4 0,2 2 0,2 1 0,-4-2 0,2 1 0,-4-3 0,3 1 0,1 3 0,3 3 0,3 2 0,1 2 0,2 2 0,1 1 0,1-1 0,5 1 0,1 0 0,5-6 0,5 0 0,5-1 0,-3 2 0,-3 2 0,1-6 0,2 1-1347,-2 1 1732,1-4-578,3 1 193,3-5 0,-5 2 0,3 3 0,-5 2 0,1-2 0,-4 1 0,3-4 0,2 1 0,3-4 0,3 3 0,-4 2 0,2-3 0,1-3 0,0-4 0,-3 2 0,1-2-698,-6 4 898,2-2-300,2-2 100,-3 3 0,1-1 0,4-3 0,-5 3 0,3-1 0,2-2 0,2-2 0,2-3 0,1-1 1306,2-1-1679,0-1 559,1 0-186,0 0 0,0-1 0,0 1 740,0 0-951,-1-1 316,1 1-1681,-1 0 2026,1 0-675,0 0 225,-1 0 0,1 0 0,-1 0 0,1 0 0,-1 0 0,1 0 0,-1 0 0,1 0 0,5 0 0,1 0-2307,-1 0 2966,0 0-989,-2 0 330,5 0 0,-1 0 0,-1 0 0,5 0 0,-2 0 0,-2 0 0,-2 0 0,5 0 0,-2 0 0,4 0 0,-1 0 0,-2 0 0,3 0 0,-2-5 0,-2-2 0,4 1 0,-3 1 0,-1 2 0,3-5 0,-2 1 0,-2 0 0,5 2 0,-3 2 0,-1 1 0,-3 1 0,-8-6 0,-2 1 0,0 1-772,-1 0 993,2 2-331,1-5 110,1 1 0,1 0 0,0-3 0,0 0 0,1 2 0,0-4 0,0 2 0,0 2 0,-6-3 0,-1 1 0,1-4 1359,-6-4-1748,-4-4 2958,1 2-3247,-4-1 1017,3 4 583,-2-2-1185,-3-2 394,-3-1-131,-2-4 0,-2-1 0,-1-1 0,-1-2 0,0-6 0,-1 0 0,0 0 0,1 1 0,0 2 0,0 1 0,0 1 0,0 1 0,0 0 0,-6 7 0,0-1 0,0 1 0,-5 5 0,1-2 0,-4 5 0,2-2 0,2-2 0,-3 3 0,2-3 0,3-2 0,-4 3 0,2-2 0,-4 4 0,3-1 0,-5 2 0,2-1 0,-2 3 0,2-3 0,-2-3 0,2-3 0,-2-3 0,2-2 0,-2 3 0,3 1 0,-3-1-1352,-3 4 1738,3 0-579,-3 4 193,3-1 0,-2-2 0,-2-3 0,3-3 0,-2-2 0,3-2 0,-1 5-1461,-3 0 1878,-3 0-625,-2 5 208,-2 5 0,5-1 0,4-3 0,0-2 0,-1-4 0,3-2 0,-2 4 0,-2-2 0,-3 1 0,-3-3 0,5 0 0,-1-2 0,-2 6 0,5-1 0,-1 5 0,-2 0 0,4-2 0,-2 3 0,-1-2 0,3-2 0,-1 3 0,-3-1 0,-1 3 0,3-2 0,-1 4 0,-2 4 0,-1-3 0,-3 3 0,5-4 0,-1 2 0,0 3 299,-2 2-384,-1 3 128,5-4-43,-2 1 0,0 1 0,-1 2 0,-2 1 0,-2-5 1482,-1 1-1906,0 1 636,-1 1-212,1 2 1032,-1 1-1327,0 1 442,0 1-147,0 0 0,1 0 0,-1 0 0,0 1 0,1-1 0,0 0 0,-1 0 0,1 0 0,6 0 0</inkml:trace>
 </inkml:ink>
 </file>
 
@@ -279,24 +534,27 @@
         <inkml:traceFormat>
           <inkml:channel name="X" type="integer" min="-2.14748E9" max="2.14748E9" units="cm"/>
           <inkml:channel name="Y" type="integer" min="-2.14748E9" max="2.14748E9" units="cm"/>
+          <inkml:channel name="F" type="integer" max="32767" units="dev"/>
         </inkml:traceFormat>
         <inkml:channelProperties>
           <inkml:channelProperty channel="X" name="resolution" value="1000" units="1/cm"/>
           <inkml:channelProperty channel="Y" name="resolution" value="1000" units="1/cm"/>
+          <inkml:channelProperty channel="F" name="resolution" value="0" units="1/dev"/>
         </inkml:channelProperties>
       </inkml:inkSource>
-      <inkml:timestamp xml:id="ts0" timeString="2024-07-31T12:23:54.722"/>
+      <inkml:timestamp xml:id="ts0" timeString="2024-08-02T10:12:20.584"/>
     </inkml:context>
     <inkml:brush xml:id="br0">
-      <inkml:brushProperty name="width" value="0.1" units="cm"/>
-      <inkml:brushProperty name="height" value="0.2" units="cm"/>
-      <inkml:brushProperty name="color" value="#FFFC00"/>
-      <inkml:brushProperty name="tip" value="rectangle"/>
-      <inkml:brushProperty name="rasterOp" value="maskPen"/>
-      <inkml:brushProperty name="ignorePressure" value="1"/>
+      <inkml:brushProperty name="width" value="0.05" units="cm"/>
+      <inkml:brushProperty name="height" value="0.05" units="cm"/>
+      <inkml:brushProperty name="color" value="#AE198D"/>
+      <inkml:brushProperty name="inkEffects" value="galaxy"/>
+      <inkml:brushProperty name="anchorX" value="-1908.67554"/>
+      <inkml:brushProperty name="anchorY" value="-654.0127"/>
+      <inkml:brushProperty name="scaleFactor" value="0.5"/>
     </inkml:brush>
   </inkml:definitions>
-  <inkml:trace contextRef="#ctx0" brushRef="#br0">0 1,'0'0</inkml:trace>
+  <inkml:trace contextRef="#ctx0" brushRef="#br0">416 231 24575,'0'0'0,"-5"0"0,-9 0 0,-4 0 0,-5 0 0,-4 6 0,-1 0 0,3 6 0,1-1 0,5 4 0,0-1 0,4 2 0,-1-2 0,3 3 0,3 3 0,3 3 0,4 2 0,1 3 0,-5-5 0,1 0 0,0 1 0,-4 1 0,0 1 0,2 2 0,2 0 0,2 2 0,2 0 0,-5-1 0,1 1 0,0 0-1670,2-1 2147,0 1-715,3 0 238,0-1-996,-6 1 1280,1 6-426,1-1-2108,0 6 2893,2 0-964,1-2 321,0 4 0,2-2 0,0-3 0,0-2 0,0-3 0,-5 5 0,-1-2-33,0 0 42,1-2-14,2-1 5,0-2 0,2-1 16,1 0-20,0-1 6,0 7-2,0-1 0,0 0 0,1 0 0,-1-2 0,0-2 0,0 6 0,0-1 0,0 0 0,0-2 0,6-1 0,0-1 0,6-8 0,-1 0 0,4-1 0,-2 2 0,-2 1 0,-3 1 0,2-5 0,-1 1 182,4 0-234,-1 2 78,3-5-26,-2 1 0,4 1 0,2-3 0,3 0 0,4-3 2270,-5 1-2919,2-3 973,0 3-286,2-4-49,2-2 17,1 1-6,1-1 1592,0-3-2047,1-3 682,0 4-227,-1-1-878,1-1 1129,0-2-377,0-2 126,-1-1 0,7-1 0,-1-1 0,1 0 0,-2-1 0,-1 1-1885,-1 0 2423,-1-1-807,-1 1 269,0-6 0,-1 0 1583,0 0-2035,0-5 678,1 2-226,-1 1 0,-5-4 0,-1 1 0,1 3 0,1 2 0,1 2 0,-5-4 0,1 1 0,1 0 1116,-5-4-1435,2 2 478,1-5-159,3 2 0,2 2 0,-4-3 0,0 3 0,1 1 0,-4-3 0,1 3 0,2-5 0,1 2 0,3 3 0,1 2 0,2 2 0,1-3 0,-1 1 0,7 1 0,-6-4 0,0 1-1657,-2 1 2131,1-4-711,-1 3 237,1 0 0,0 3 0,0 3 0,-6-6 0,1 2 34,-1 1-44,1 1 15,2 1-5,2 2 0,0 1 0,1 1 0,1 0 0,0 0 1660,-1 1-2134,1-1 711,0 0-237,-7-6 0,-5-5 0,-7-7 880,-4-5-1131,-4-3 376,-3-3-125,-1-1 0,0-1 0,0 0 0,0 0 0,0 1-1126,1 0 1448,0 0-483,-1 1 161,1-1 0,-5-5 0,-7-1-2412,0 1 3101,-5 0-1033,2-4 344,-2 7 0,-4-4 0,-2 1 0,3-6-2744,-1 2 3528,-2-5-1176,-2 3-2560,-2 7 3795,-1-3-1264,0 3 421,4-5 0,-5-5 0,-1 1 0,-1 1 0,0-2 0,6 2 0,0 3 0,0 3 0,0-3 0,-1 2 0,-1-6 0,-1 3 0,-1 1 0,0-3 0,-1 2 0,0 2 0,0-3 0,0 1 0,1 3 0,-1 1 0,7 3-1314,-1 1 1690,1-4-564,4 1 188,-7 6 0,-1 1 0,3 1 0,0 6 0,-1 0 483,5-1-621,0-1 207,4-2-69,-2-2 0,5 5 0</inkml:trace>
 </inkml:ink>
 </file>
 
@@ -308,24 +566,91 @@
         <inkml:traceFormat>
           <inkml:channel name="X" type="integer" min="-2.14748E9" max="2.14748E9" units="cm"/>
           <inkml:channel name="Y" type="integer" min="-2.14748E9" max="2.14748E9" units="cm"/>
+          <inkml:channel name="F" type="integer" max="32767" units="dev"/>
         </inkml:traceFormat>
         <inkml:channelProperties>
           <inkml:channelProperty channel="X" name="resolution" value="1000" units="1/cm"/>
           <inkml:channelProperty channel="Y" name="resolution" value="1000" units="1/cm"/>
+          <inkml:channelProperty channel="F" name="resolution" value="0" units="1/dev"/>
         </inkml:channelProperties>
       </inkml:inkSource>
-      <inkml:timestamp xml:id="ts0" timeString="2024-07-31T17:39:35.512"/>
+      <inkml:timestamp xml:id="ts0" timeString="2024-08-02T10:12:22.042"/>
     </inkml:context>
     <inkml:brush xml:id="br0">
-      <inkml:brushProperty name="width" value="0.1" units="cm"/>
-      <inkml:brushProperty name="height" value="0.2" units="cm"/>
-      <inkml:brushProperty name="color" value="#FFFC00"/>
-      <inkml:brushProperty name="tip" value="rectangle"/>
-      <inkml:brushProperty name="rasterOp" value="maskPen"/>
-      <inkml:brushProperty name="ignorePressure" value="1"/>
+      <inkml:brushProperty name="width" value="0.05" units="cm"/>
+      <inkml:brushProperty name="height" value="0.05" units="cm"/>
+      <inkml:brushProperty name="color" value="#AE198D"/>
+      <inkml:brushProperty name="inkEffects" value="galaxy"/>
+      <inkml:brushProperty name="anchorX" value="-3543.09766"/>
+      <inkml:brushProperty name="anchorY" value="-1269.52417"/>
+      <inkml:brushProperty name="scaleFactor" value="0.5"/>
     </inkml:brush>
   </inkml:definitions>
-  <inkml:trace contextRef="#ctx0" brushRef="#br0">914 1184,'2'-1,"0"1,0-1,1 1,-1-1,0 0,0 0,0 0,4-2,11-6,12 3,1 1,0 2,-1 1,1 1,39 4,-1-1,-44-1,0 1,-1 1,36 9,-30-7,-1-1,1-1,32-2,-31-1,1 1,45 9,-30-2,1-2,47 0,97-7,-67-1,-49 1,86 3,-158-2,0 1,0-1,-1 1,1 0,0 0,0 0,-1 0,1 0,0 1,-1-1,1 1,-1 0,0 0,0 0,0 0,1 0,-2 0,1 0,0 1,0-1,-1 1,1-1,-1 1,0-1,2 6,-2-4,0 0,-1 0,1 0,-1-1,1 1,-1 0,0 0,-1 0,1 0,-1 0,0 0,1-1,-2 1,1 0,0-1,-1 1,0 0,0-1,-2 4,-86 134,6-9,70-115,0 0,-18 15,18-19,1 1,-23 30,13-11,-2 0,0-1,-46 42,63-65,0 0,0 0,1 1,-11 20,12-19,0 0,-1-1,-1 1,-9 9,-8 7,0 1,2 2,2 0,-27 49,29-49,-42 51,42-58,0 1,2 1,-18 34,28-46,-1 0,-1-1,0 0,0 0,-1-1,0-1,-1 0,-17 13,20-16,2-2,-12 9,17-14,1 1,0-1,-1 0,1 0,-1 0,1 0,-1 0,1 0,-1 0,1 0,0 0,-1 0,1 0,-1-1,1 1,-1 0,1 0,0 0,-1 0,1-1,0 1,-1 0,1-1,0 1,-1 0,1 0,0-1,-1 1,1 0,0-1,0 1,-1-1,1 1,0 0,0-1,0 1,0-1,-1 1,1 0,0-1,0 1,0-1,0 1,0-1,0 0,-3-22,2-1,0 1,4-44,-1 9,-1-438,-3 454,-15-82,9 74,-40-162,15 76,23 73,6 37,-7-29,3 22,-3-39,2 9,2 15,-1-56,4 29,-9-16,7 58,-3-48,8-266,3 162,-3 178,1 0,0 0,1 0,0 0,0 1,0-1,1 0,0 0,0 1,0-1,5-6,-7 13,0 0,0 0,0 0,0 0,0 0,0 0,0 0,0 0,0-1,0 1,0 0,0 0,1 0,-1 0,0 0,0 0,0 0,0 0,0 0,0 0,0 0,0 0,1 0,-1 0,0 0,0 0,0 0,0 0,0 0,0 0,1 0,-1 0,0 0,0 0,0 0,0 0,0 0,0 0,0 0,0 0,1 0,-1 0,0 0,0 1,0-1,0 0,0 0,0 0,0 0,4 9,-1 10,1 24,11 43,34 87,-25-81,-2-4,-3-39,27 51,-17-40,22 74,-43-110,1 6,8 42,-14-51,1 0,2 0,0 0,1-1,12 24,10 10,-3 1,-1 2,27 99,-49-147,0 1,0-1,1-1,0 1,1 0,0-1,11 14,2-1,30 26,-43-43,1 2,0 1,-1 0,0 0,0 0,-1 1,1 0,-2-1,1 2,-1-1,2 10,0 2,-1-1,0 0,0 30,-4-40,0-5,-1 0,1 0,1 0,-1-1,0 1,1 0,0 0,0-1,0 1,0 0,1-1,3 7,-5-10,0 0,0 0,1 0,-1 0,0 0,1 0,-1 0,0 0,1 0,-1 0,0 0,0 0,1 0,-1 0,0 0,1 0,-1 0,0 0,0-1,1 1,-1 0,0 0,0 0,1 0,-1-1,0 1,0 0,0 0,1-1,-1 1,0 0,0 0,0-1,0 1,1 0,-1 0,0-1,0 1,0 0,0-1,8-15,-6 13,3-10,0 0,0-1,-1 1,-1-1,-1 0,3-25,-6-89,0 69,0 42,0 0,0 0,-2 1,0-1,-8-21,9 30,-1 0,-1 0,0 0,0 1,0-1,-1 1,0 0,-1 0,1 1,-1 0,-1 0,-6-6,-89-67,-62-41,140 105,-16-10,-64-29,88 47,1 0,-1 0,1 1,-1 1,-1 1,1 0,-32-3,16 5,5 2,0-2,-34-6,15-1,1 3,-52-1,-95 8,69 2,-497-3,595 0</inkml:trace>
+  <inkml:trace contextRef="#ctx0" brushRef="#br0">62 682 24575,'0'0'0,"0"-5"0,-6-2 0,-1 7 0,1 7 0,1 7 0,1 6 0,1 6 0,2 2 0,-5 2 0,0 1 0,0 0 0,1 0 0,2 0 0,1-1 0,1-1 0,0 1 0,1-1 0,1 1 0,-1 0 0,0-1 0,0 1 0,0-1 0,0 1 0,1-1 0,-1 0 0,0 1 0,0 0 0,0 0 0,0-1 0,0 1 0,0-1 0,5-5 0,1-1 0,0 0 0,6-4 0,-2 1 0,-2 1 0,5 3 0,3-5 0,-2 3 0,4-6 0,-3 2 0,3-4 0,-4 3 0,-3 2 0,2-3 0,-3 2 0,4-3 0,-2 3 0,3-4 0,4-4 0,-3 4 0,3-4 0,-3 5 0,2-3 0,-3 3 0,2 4 0,2-3 0,3 3 0,3-4 0,-4 3 0,2-4 0,0-3 0,2-4 0,-4 3 0,1-1 0,-5 3 0,1-1 0,2-2 0,3-3 0,-4 5 0,1-3 0,3 0 0,-5 3 0,2-1 0,2 3 0,2-1 0,2-2 0,1 3 0,2-3 0,0-1 0,1-3 0,0-3 0,-1-1 0,1-1 0,0-1 0,0-6 0,0-7 0,-6-5 0,-7-5 0,0 1 0,-4-1 0,2 5 0,-4-2 0,-2-1 0,-3-2 0,-2-3 0,-2-1 0,4-1-1605,0-1 2064,-1-1-689,0 0 230,-2 0 0,-1-6 0,-1 0 0,-1 1 0,0 0 0,0 2 0,0 1 0,-1 1 0,1 1 0,0 0 0,0 1 0,0-6 0,0 0 0,0-7-2764,0 2 3554,0-5-1185,0 2 395,-6 3 0,0-3 0,0-4 0,-5 3 0,2 2 0,0-2 0,-3 3 0,2 2 0,2 4 0,-4 1 0,2-3 0,-4 6 0,2 2-1480,-3-4 1903,2-1-635,-4 0 212,4-5 0,2 1 0,3 0 0,-2-3 0,1 2 0,-4 7 0,2 2 0,-3 3 0,1 0 0,3 0 0,-3-1 0,-4 0 0,3 0 0,-4 5 0,3 0 0,4-1 1299,3-1-1670,-3 5 557,3-1-186,-5 4 0,-4 5 0,-4 4 2738,2-2-3520,-2 2 2985,-2 1-2721,-2 3 777,-2 1-259,-1 2 0,5 0 0</inkml:trace>
+</inkml:ink>
+</file>
+
+<file path=ppt/ink/ink8.xml><?xml version="1.0" encoding="utf-8"?>
+<inkml:ink xmlns:inkml="http://www.w3.org/2003/InkML">
+  <inkml:definitions>
+    <inkml:context xml:id="ctx0">
+      <inkml:inkSource xml:id="inkSrc0">
+        <inkml:traceFormat>
+          <inkml:channel name="X" type="integer" min="-2.14748E9" max="2.14748E9" units="cm"/>
+          <inkml:channel name="Y" type="integer" min="-2.14748E9" max="2.14748E9" units="cm"/>
+          <inkml:channel name="F" type="integer" max="32767" units="dev"/>
+        </inkml:traceFormat>
+        <inkml:channelProperties>
+          <inkml:channelProperty channel="X" name="resolution" value="1000" units="1/cm"/>
+          <inkml:channelProperty channel="Y" name="resolution" value="1000" units="1/cm"/>
+          <inkml:channelProperty channel="F" name="resolution" value="0" units="1/dev"/>
+        </inkml:channelProperties>
+      </inkml:inkSource>
+      <inkml:timestamp xml:id="ts0" timeString="2024-08-02T10:12:23.058"/>
+    </inkml:context>
+    <inkml:brush xml:id="br0">
+      <inkml:brushProperty name="width" value="0.05" units="cm"/>
+      <inkml:brushProperty name="height" value="0.05" units="cm"/>
+      <inkml:brushProperty name="color" value="#AE198D"/>
+      <inkml:brushProperty name="inkEffects" value="galaxy"/>
+      <inkml:brushProperty name="anchorX" value="-4956.16846"/>
+      <inkml:brushProperty name="anchorY" value="-1434.72095"/>
+      <inkml:brushProperty name="scaleFactor" value="0.5"/>
+    </inkml:brush>
+  </inkml:definitions>
+  <inkml:trace contextRef="#ctx0" brushRef="#br0">652 146 24575,'0'0'0,"-5"0"0,-8 0 0,-5 0 0,-5 0 0,-4 0 0,-2 0 0,-1 0 0,5 6 0,1 0 0,5 6 0,0 0 0,5 3 0,-2-1 0,3 3 0,3 3 0,-2 2 0,-5-2 0,3 2 0,-3 0 0,2 3 0,-2 1 0,-3 3 0,-3-6 0,4 0 0,3 1 0,6 1 0,-3 1 0,4 1 0,2 2 0,-4-6 0,-4 0 0,1 1 0,2 1 0,-2 1 0,2 2 0,3 0 0,-3-5 0,2 1 0,2-1 0,-4-4 0,3 1 0,1 1 0,2 3 0,3 2 0,1 1 0,1 2 0,1 0 0,0 0 0,1 1 0,-1 0 0,0 0 0,1 0 0,-1 0 0,0 0 0,6-1 0,6-5 0,0-1 0,5-6 0,-3 2 0,4-5 0,-3 2 0,3-4 0,-4 4 0,-3 3 0,2-3 0,3 3 0,4-3 0,4-5 0,-4 3 0,2-3 0,-4 3 0,1-2 0,-5 3 0,3-2 0,3-3 0,-4 3 0,3-3 0,2-2 0,3-2 0,-4 3 0,1-1 0,-4 5 0,1-1 0,2-3 0,3-2 0,2-2 0,2-3 0,2 0 0,1-2 0,-1 0 0,-5 5 0,0 0 0,0 1 0,1-1 0,1-2 0,2-1 0,0-1 0,1 0 0,1-1 0,-1 0 0,1 0 0,-1-1 0,1 1 0,0 0 0,0 0 0,0 0 0,-7-6 0,1 0 0,-7-6 0,2 0 0,-6-3 0,3 1 0,3 3 0,-3-3 0,2 3 0,3 2 0,-3-2 0,2 1 0,-4-4 0,2 3 0,2 1 0,2 3 0,3 3 0,-4-4 0,2 1 0,-6-5 0,2 1 0,-5-3 0,3 1 0,-3-4 0,2 3 0,-3-3 0,-3-2 0,-3-4 0,3 3 0,-2-1 0,-1-1 0,-2-3 0,4-1 0,-2-2 0,0-1 0,-2 0 0,-2-1 0,-1 0 0,-1 0 0,-1 0 0,0 0 0,0 1 0,0-1 0,-1 0 0,1 1 0,0-1 0,0 1 0,0-1 0,0 1 0,0 0 0,0-1 0,0 1 0,0-1 0,0 0 0,0 1 0,0-1 0,0 1 0,-6 5 0,0 1 0,0-1 0,-5 6 0,2-2 0,-5 4 0,1-1 0,-3-3 0,-4 4 0,3-3 0,-2 4 0,3-2 0,-2 3 0,4-2 0,-3 2 0,-2-2 0,-3 3 0,3-3 0,-2 3 0,4-3 0,-2 2 0,-1 4 0,-3-4 0,-3 4 0,-1-4 0,-1-4 0,-1 3 0,-1-4 0,0 4 0,0 3 0,0-2-1869,0 3 2403,0-3-801,0 2 267,1 3 0,0 2 0,5 3 0</inkml:trace>
+</inkml:ink>
+</file>
+
+<file path=ppt/ink/ink9.xml><?xml version="1.0" encoding="utf-8"?>
+<inkml:ink xmlns:inkml="http://www.w3.org/2003/InkML">
+  <inkml:definitions>
+    <inkml:context xml:id="ctx0">
+      <inkml:inkSource xml:id="inkSrc0">
+        <inkml:traceFormat>
+          <inkml:channel name="X" type="integer" min="-2.14748E9" max="2.14748E9" units="cm"/>
+          <inkml:channel name="Y" type="integer" min="-2.14748E9" max="2.14748E9" units="cm"/>
+          <inkml:channel name="F" type="integer" max="32767" units="dev"/>
+        </inkml:traceFormat>
+        <inkml:channelProperties>
+          <inkml:channelProperty channel="X" name="resolution" value="1000" units="1/cm"/>
+          <inkml:channelProperty channel="Y" name="resolution" value="1000" units="1/cm"/>
+          <inkml:channelProperty channel="F" name="resolution" value="0" units="1/dev"/>
+        </inkml:channelProperties>
+      </inkml:inkSource>
+      <inkml:timestamp xml:id="ts0" timeString="2024-08-02T10:12:24.358"/>
+    </inkml:context>
+    <inkml:brush xml:id="br0">
+      <inkml:brushProperty name="width" value="0.05" units="cm"/>
+      <inkml:brushProperty name="height" value="0.05" units="cm"/>
+      <inkml:brushProperty name="color" value="#AE198D"/>
+      <inkml:brushProperty name="inkEffects" value="galaxy"/>
+      <inkml:brushProperty name="anchorX" value="-6072.44287"/>
+      <inkml:brushProperty name="anchorY" value="-2135.40161"/>
+      <inkml:brushProperty name="scaleFactor" value="0.5"/>
+    </inkml:brush>
+  </inkml:definitions>
+  <inkml:trace contextRef="#ctx0" brushRef="#br0">180 0 24575,'0'0'0,"0"5"0,-6 2 0,0 5 0,-6-1 0,-5-2 0,1 4 0,3 4 0,-2-2 0,2 3 0,4 3 0,2 3 0,3 2 0,-4-4 0,2 1 0,0 1 0,2 1 0,1 2 0,-5-6 0,0 2 0,2 0 0,1 2 0,1 1 0,2 2 0,1 0 0,7-4 0,0-1 0,1 1 0,4-5 0,5-5 0,-1 1 0,3-4 0,3 4 0,3-4 0,2 5 0,2-4 0,1 4 0,1-2 0,0-4 0,0-2 0,-5 2 0,-1-2 0,-1-1 0,2-2 0,1 4 0,1-2 0,1 0 0,-4 4 0,-1-2 0,1-1 0,1-2 0,1-2 0,1-2 0,1-1 0,-5 5 0,1 0 0,0-1 0,1 0 0,1-2 0,-4-7 0,0-1 0,1 0 0,-4-6 0,1 1 0,-5-4 0,2 1 0,3 3 0,2 3 0,-3-4 0,2 2 0,-4-3 0,1 0 0,-3-3 0,2 2 0,-4-4 0,3 4 0,3 2 0,-3-2 0,3 2 0,2 3 0,-4-4 0,3-3 0,-4-5 0,2 2 0,-4-2 0,3 4 0,-4-3 0,4 5 0,-4-4 0,3 5 0,-3-4 0,-3-2 0,3 2 0,-3-1 0,4-4 0,-2-1 0,-3-3 0,-2-1 0,-3-2 0,-1-1 0,-8 6 0,-7 5 0,-1 1 0,-4 5 0,2-2 0,-3 3 0,-3 3 0,-3 3 0,4-3 0,-2 1 0,5 2 0</inkml:trace>
 </inkml:ink>
 </file>
 
@@ -478,7 +803,7 @@
           <a:p>
             <a:fld id="{676D6900-1E45-4DD1-AC20-8A1B88BFFA7D}" type="datetimeFigureOut">
               <a:rPr lang="en-IE" smtClean="0"/>
-              <a:t>31/07/2024</a:t>
+              <a:t>02/08/2024</a:t>
             </a:fld>
             <a:endParaRPr lang="en-IE"/>
           </a:p>
@@ -678,7 +1003,7 @@
           <a:p>
             <a:fld id="{676D6900-1E45-4DD1-AC20-8A1B88BFFA7D}" type="datetimeFigureOut">
               <a:rPr lang="en-IE" smtClean="0"/>
-              <a:t>31/07/2024</a:t>
+              <a:t>02/08/2024</a:t>
             </a:fld>
             <a:endParaRPr lang="en-IE"/>
           </a:p>
@@ -888,7 +1213,7 @@
           <a:p>
             <a:fld id="{676D6900-1E45-4DD1-AC20-8A1B88BFFA7D}" type="datetimeFigureOut">
               <a:rPr lang="en-IE" smtClean="0"/>
-              <a:t>31/07/2024</a:t>
+              <a:t>02/08/2024</a:t>
             </a:fld>
             <a:endParaRPr lang="en-IE"/>
           </a:p>
@@ -1088,7 +1413,7 @@
           <a:p>
             <a:fld id="{676D6900-1E45-4DD1-AC20-8A1B88BFFA7D}" type="datetimeFigureOut">
               <a:rPr lang="en-IE" smtClean="0"/>
-              <a:t>31/07/2024</a:t>
+              <a:t>02/08/2024</a:t>
             </a:fld>
             <a:endParaRPr lang="en-IE"/>
           </a:p>
@@ -1364,7 +1689,7 @@
           <a:p>
             <a:fld id="{676D6900-1E45-4DD1-AC20-8A1B88BFFA7D}" type="datetimeFigureOut">
               <a:rPr lang="en-IE" smtClean="0"/>
-              <a:t>31/07/2024</a:t>
+              <a:t>02/08/2024</a:t>
             </a:fld>
             <a:endParaRPr lang="en-IE"/>
           </a:p>
@@ -1632,7 +1957,7 @@
           <a:p>
             <a:fld id="{676D6900-1E45-4DD1-AC20-8A1B88BFFA7D}" type="datetimeFigureOut">
               <a:rPr lang="en-IE" smtClean="0"/>
-              <a:t>31/07/2024</a:t>
+              <a:t>02/08/2024</a:t>
             </a:fld>
             <a:endParaRPr lang="en-IE"/>
           </a:p>
@@ -2047,7 +2372,7 @@
           <a:p>
             <a:fld id="{676D6900-1E45-4DD1-AC20-8A1B88BFFA7D}" type="datetimeFigureOut">
               <a:rPr lang="en-IE" smtClean="0"/>
-              <a:t>31/07/2024</a:t>
+              <a:t>02/08/2024</a:t>
             </a:fld>
             <a:endParaRPr lang="en-IE"/>
           </a:p>
@@ -2189,7 +2514,7 @@
           <a:p>
             <a:fld id="{676D6900-1E45-4DD1-AC20-8A1B88BFFA7D}" type="datetimeFigureOut">
               <a:rPr lang="en-IE" smtClean="0"/>
-              <a:t>31/07/2024</a:t>
+              <a:t>02/08/2024</a:t>
             </a:fld>
             <a:endParaRPr lang="en-IE"/>
           </a:p>
@@ -2302,7 +2627,7 @@
           <a:p>
             <a:fld id="{676D6900-1E45-4DD1-AC20-8A1B88BFFA7D}" type="datetimeFigureOut">
               <a:rPr lang="en-IE" smtClean="0"/>
-              <a:t>31/07/2024</a:t>
+              <a:t>02/08/2024</a:t>
             </a:fld>
             <a:endParaRPr lang="en-IE"/>
           </a:p>
@@ -2615,7 +2940,7 @@
           <a:p>
             <a:fld id="{676D6900-1E45-4DD1-AC20-8A1B88BFFA7D}" type="datetimeFigureOut">
               <a:rPr lang="en-IE" smtClean="0"/>
-              <a:t>31/07/2024</a:t>
+              <a:t>02/08/2024</a:t>
             </a:fld>
             <a:endParaRPr lang="en-IE"/>
           </a:p>
@@ -2904,7 +3229,7 @@
           <a:p>
             <a:fld id="{676D6900-1E45-4DD1-AC20-8A1B88BFFA7D}" type="datetimeFigureOut">
               <a:rPr lang="en-IE" smtClean="0"/>
-              <a:t>31/07/2024</a:t>
+              <a:t>02/08/2024</a:t>
             </a:fld>
             <a:endParaRPr lang="en-IE"/>
           </a:p>
@@ -3147,7 +3472,7 @@
           <a:p>
             <a:fld id="{676D6900-1E45-4DD1-AC20-8A1B88BFFA7D}" type="datetimeFigureOut">
               <a:rPr lang="en-IE" smtClean="0"/>
-              <a:t>31/07/2024</a:t>
+              <a:t>02/08/2024</a:t>
             </a:fld>
             <a:endParaRPr lang="en-IE"/>
           </a:p>
@@ -3653,6 +3978,116 @@
           <p:cNvPr id="2" name="Title 1">
             <a:extLst>
               <a:ext uri="{FF2B5EF4-FFF2-40B4-BE49-F238E27FC236}">
+                <a16:creationId xmlns:a16="http://schemas.microsoft.com/office/drawing/2014/main" id="{702A690A-9B2C-A141-0238-E2E67FEAA507}"/>
+              </a:ext>
+            </a:extLst>
+          </p:cNvPr>
+          <p:cNvSpPr>
+            <a:spLocks noGrp="1"/>
+          </p:cNvSpPr>
+          <p:nvPr>
+            <p:ph type="title"/>
+          </p:nvPr>
+        </p:nvSpPr>
+        <p:spPr/>
+        <p:txBody>
+          <a:bodyPr/>
+          <a:lstStyle/>
+          <a:p>
+            <a:endParaRPr lang="en-IE"/>
+          </a:p>
+        </p:txBody>
+      </p:sp>
+      <p:sp>
+        <p:nvSpPr>
+          <p:cNvPr id="3" name="Content Placeholder 2">
+            <a:extLst>
+              <a:ext uri="{FF2B5EF4-FFF2-40B4-BE49-F238E27FC236}">
+                <a16:creationId xmlns:a16="http://schemas.microsoft.com/office/drawing/2014/main" id="{10B455BD-5E08-774B-B6AE-541538DD1397}"/>
+              </a:ext>
+            </a:extLst>
+          </p:cNvPr>
+          <p:cNvSpPr>
+            <a:spLocks noGrp="1"/>
+          </p:cNvSpPr>
+          <p:nvPr>
+            <p:ph idx="1"/>
+          </p:nvPr>
+        </p:nvSpPr>
+        <p:spPr/>
+        <p:txBody>
+          <a:bodyPr/>
+          <a:lstStyle/>
+          <a:p>
+            <a:endParaRPr lang="en-IE"/>
+          </a:p>
+        </p:txBody>
+      </p:sp>
+      <p:pic>
+        <p:nvPicPr>
+          <p:cNvPr id="5" name="Picture 4">
+            <a:extLst>
+              <a:ext uri="{FF2B5EF4-FFF2-40B4-BE49-F238E27FC236}">
+                <a16:creationId xmlns:a16="http://schemas.microsoft.com/office/drawing/2014/main" id="{96EF4825-19AD-F8CC-B368-0F0F1972C1E3}"/>
+              </a:ext>
+            </a:extLst>
+          </p:cNvPr>
+          <p:cNvPicPr>
+            <a:picLocks noChangeAspect="1"/>
+          </p:cNvPicPr>
+          <p:nvPr/>
+        </p:nvPicPr>
+        <p:blipFill>
+          <a:blip r:embed="rId2"/>
+          <a:stretch>
+            <a:fillRect/>
+          </a:stretch>
+        </p:blipFill>
+        <p:spPr>
+          <a:xfrm>
+            <a:off x="0" y="330981"/>
+            <a:ext cx="12192000" cy="6196038"/>
+          </a:xfrm>
+          <a:prstGeom prst="rect">
+            <a:avLst/>
+          </a:prstGeom>
+        </p:spPr>
+      </p:pic>
+    </p:spTree>
+    <p:extLst>
+      <p:ext uri="{BB962C8B-B14F-4D97-AF65-F5344CB8AC3E}">
+        <p14:creationId xmlns:p14="http://schemas.microsoft.com/office/powerpoint/2010/main" val="2557417226"/>
+      </p:ext>
+    </p:extLst>
+  </p:cSld>
+  <p:clrMapOvr>
+    <a:masterClrMapping/>
+  </p:clrMapOvr>
+</p:sld>
+</file>
+
+<file path=ppt/slides/slide11.xml><?xml version="1.0" encoding="utf-8"?>
+<p:sld xmlns:a="http://schemas.openxmlformats.org/drawingml/2006/main" xmlns:r="http://schemas.openxmlformats.org/officeDocument/2006/relationships" xmlns:p="http://schemas.openxmlformats.org/presentationml/2006/main">
+  <p:cSld>
+    <p:spTree>
+      <p:nvGrpSpPr>
+        <p:cNvPr id="1" name=""/>
+        <p:cNvGrpSpPr/>
+        <p:nvPr/>
+      </p:nvGrpSpPr>
+      <p:grpSpPr>
+        <a:xfrm>
+          <a:off x="0" y="0"/>
+          <a:ext cx="0" cy="0"/>
+          <a:chOff x="0" y="0"/>
+          <a:chExt cx="0" cy="0"/>
+        </a:xfrm>
+      </p:grpSpPr>
+      <p:sp>
+        <p:nvSpPr>
+          <p:cNvPr id="2" name="Title 1">
+            <a:extLst>
+              <a:ext uri="{FF2B5EF4-FFF2-40B4-BE49-F238E27FC236}">
                 <a16:creationId xmlns:a16="http://schemas.microsoft.com/office/drawing/2014/main" id="{8F36E29B-3CE8-670E-7EFD-BA0878FAE5A7}"/>
               </a:ext>
             </a:extLst>
@@ -3741,116 +4176,6 @@
 </p:sld>
 </file>
 
-<file path=ppt/slides/slide11.xml><?xml version="1.0" encoding="utf-8"?>
-<p:sld xmlns:a="http://schemas.openxmlformats.org/drawingml/2006/main" xmlns:r="http://schemas.openxmlformats.org/officeDocument/2006/relationships" xmlns:p="http://schemas.openxmlformats.org/presentationml/2006/main">
-  <p:cSld>
-    <p:spTree>
-      <p:nvGrpSpPr>
-        <p:cNvPr id="1" name=""/>
-        <p:cNvGrpSpPr/>
-        <p:nvPr/>
-      </p:nvGrpSpPr>
-      <p:grpSpPr>
-        <a:xfrm>
-          <a:off x="0" y="0"/>
-          <a:ext cx="0" cy="0"/>
-          <a:chOff x="0" y="0"/>
-          <a:chExt cx="0" cy="0"/>
-        </a:xfrm>
-      </p:grpSpPr>
-      <p:sp>
-        <p:nvSpPr>
-          <p:cNvPr id="2" name="Title 1">
-            <a:extLst>
-              <a:ext uri="{FF2B5EF4-FFF2-40B4-BE49-F238E27FC236}">
-                <a16:creationId xmlns:a16="http://schemas.microsoft.com/office/drawing/2014/main" id="{5A1D36B1-FF34-4C93-E0AD-9E7244BAD8D3}"/>
-              </a:ext>
-            </a:extLst>
-          </p:cNvPr>
-          <p:cNvSpPr>
-            <a:spLocks noGrp="1"/>
-          </p:cNvSpPr>
-          <p:nvPr>
-            <p:ph type="title"/>
-          </p:nvPr>
-        </p:nvSpPr>
-        <p:spPr/>
-        <p:txBody>
-          <a:bodyPr/>
-          <a:lstStyle/>
-          <a:p>
-            <a:endParaRPr lang="en-IE"/>
-          </a:p>
-        </p:txBody>
-      </p:sp>
-      <p:sp>
-        <p:nvSpPr>
-          <p:cNvPr id="3" name="Content Placeholder 2">
-            <a:extLst>
-              <a:ext uri="{FF2B5EF4-FFF2-40B4-BE49-F238E27FC236}">
-                <a16:creationId xmlns:a16="http://schemas.microsoft.com/office/drawing/2014/main" id="{AF963AE0-FE13-AEB0-85E0-AF5FCEE8B091}"/>
-              </a:ext>
-            </a:extLst>
-          </p:cNvPr>
-          <p:cNvSpPr>
-            <a:spLocks noGrp="1"/>
-          </p:cNvSpPr>
-          <p:nvPr>
-            <p:ph idx="1"/>
-          </p:nvPr>
-        </p:nvSpPr>
-        <p:spPr/>
-        <p:txBody>
-          <a:bodyPr/>
-          <a:lstStyle/>
-          <a:p>
-            <a:endParaRPr lang="en-IE"/>
-          </a:p>
-        </p:txBody>
-      </p:sp>
-      <p:pic>
-        <p:nvPicPr>
-          <p:cNvPr id="5" name="Picture 4">
-            <a:extLst>
-              <a:ext uri="{FF2B5EF4-FFF2-40B4-BE49-F238E27FC236}">
-                <a16:creationId xmlns:a16="http://schemas.microsoft.com/office/drawing/2014/main" id="{1EAC913F-DF7B-238A-8F88-6752D8E0B8AD}"/>
-              </a:ext>
-            </a:extLst>
-          </p:cNvPr>
-          <p:cNvPicPr>
-            <a:picLocks noChangeAspect="1"/>
-          </p:cNvPicPr>
-          <p:nvPr/>
-        </p:nvPicPr>
-        <p:blipFill>
-          <a:blip r:embed="rId2"/>
-          <a:stretch>
-            <a:fillRect/>
-          </a:stretch>
-        </p:blipFill>
-        <p:spPr>
-          <a:xfrm>
-            <a:off x="0" y="330981"/>
-            <a:ext cx="12192000" cy="6196038"/>
-          </a:xfrm>
-          <a:prstGeom prst="rect">
-            <a:avLst/>
-          </a:prstGeom>
-        </p:spPr>
-      </p:pic>
-    </p:spTree>
-    <p:extLst>
-      <p:ext uri="{BB962C8B-B14F-4D97-AF65-F5344CB8AC3E}">
-        <p14:creationId xmlns:p14="http://schemas.microsoft.com/office/powerpoint/2010/main" val="2293747548"/>
-      </p:ext>
-    </p:extLst>
-  </p:cSld>
-  <p:clrMapOvr>
-    <a:masterClrMapping/>
-  </p:clrMapOvr>
-</p:sld>
-</file>
-
 <file path=ppt/slides/slide12.xml><?xml version="1.0" encoding="utf-8"?>
 <p:sld xmlns:a="http://schemas.openxmlformats.org/drawingml/2006/main" xmlns:r="http://schemas.openxmlformats.org/officeDocument/2006/relationships" xmlns:p="http://schemas.openxmlformats.org/presentationml/2006/main">
   <p:cSld>
@@ -3978,8 +4303,8 @@
           </a:prstGeom>
         </p:spPr>
       </p:pic>
-      <mc:AlternateContent xmlns:mc="http://schemas.openxmlformats.org/markup-compatibility/2006">
-        <mc:Choice xmlns:p14="http://schemas.microsoft.com/office/powerpoint/2010/main" Requires="p14">
+      <mc:AlternateContent xmlns:mc="http://schemas.openxmlformats.org/markup-compatibility/2006" xmlns:p14="http://schemas.microsoft.com/office/powerpoint/2010/main">
+        <mc:Choice Requires="p14">
           <p:contentPart p14:bwMode="auto" r:id="rId4">
             <p14:nvContentPartPr>
               <p14:cNvPr id="8" name="Ink 7">
@@ -3998,7 +4323,7 @@
             </p14:xfrm>
           </p:contentPart>
         </mc:Choice>
-        <mc:Fallback>
+        <mc:Fallback xmlns="">
           <p:pic>
             <p:nvPicPr>
               <p:cNvPr id="8" name="Ink 7">
@@ -4029,8 +4354,8 @@
           </p:pic>
         </mc:Fallback>
       </mc:AlternateContent>
-      <mc:AlternateContent xmlns:mc="http://schemas.openxmlformats.org/markup-compatibility/2006">
-        <mc:Choice xmlns:p14="http://schemas.microsoft.com/office/powerpoint/2010/main" Requires="p14">
+      <mc:AlternateContent xmlns:mc="http://schemas.openxmlformats.org/markup-compatibility/2006" xmlns:p14="http://schemas.microsoft.com/office/powerpoint/2010/main">
+        <mc:Choice Requires="p14">
           <p:contentPart p14:bwMode="auto" r:id="rId6">
             <p14:nvContentPartPr>
               <p14:cNvPr id="9" name="Ink 8">
@@ -4049,7 +4374,7 @@
             </p14:xfrm>
           </p:contentPart>
         </mc:Choice>
-        <mc:Fallback>
+        <mc:Fallback xmlns="">
           <p:pic>
             <p:nvPicPr>
               <p:cNvPr id="9" name="Ink 8">
@@ -4135,8 +4460,8 @@
           </a:p>
         </p:txBody>
       </p:sp>
-      <mc:AlternateContent xmlns:mc="http://schemas.openxmlformats.org/markup-compatibility/2006">
-        <mc:Choice xmlns:p14="http://schemas.microsoft.com/office/powerpoint/2010/main" Requires="p14">
+      <mc:AlternateContent xmlns:mc="http://schemas.openxmlformats.org/markup-compatibility/2006" xmlns:p14="http://schemas.microsoft.com/office/powerpoint/2010/main">
+        <mc:Choice Requires="p14">
           <p:contentPart p14:bwMode="auto" r:id="rId2">
             <p14:nvContentPartPr>
               <p14:cNvPr id="4" name="Ink 3">
@@ -4155,7 +4480,7 @@
             </p14:xfrm>
           </p:contentPart>
         </mc:Choice>
-        <mc:Fallback>
+        <mc:Fallback xmlns="">
           <p:pic>
             <p:nvPicPr>
               <p:cNvPr id="4" name="Ink 3">
@@ -4186,8 +4511,8 @@
           </p:pic>
         </mc:Fallback>
       </mc:AlternateContent>
-      <mc:AlternateContent xmlns:mc="http://schemas.openxmlformats.org/markup-compatibility/2006">
-        <mc:Choice xmlns:p14="http://schemas.microsoft.com/office/powerpoint/2010/main" Requires="p14">
+      <mc:AlternateContent xmlns:mc="http://schemas.openxmlformats.org/markup-compatibility/2006" xmlns:p14="http://schemas.microsoft.com/office/powerpoint/2010/main">
+        <mc:Choice Requires="p14">
           <p:contentPart p14:bwMode="auto" r:id="rId4">
             <p14:nvContentPartPr>
               <p14:cNvPr id="5" name="Ink 4">
@@ -4206,7 +4531,7 @@
             </p14:xfrm>
           </p:contentPart>
         </mc:Choice>
-        <mc:Fallback>
+        <mc:Fallback xmlns="">
           <p:pic>
             <p:nvPicPr>
               <p:cNvPr id="5" name="Ink 4">
@@ -4406,8 +4731,8 @@
           </a:prstGeom>
         </p:spPr>
       </p:pic>
-      <mc:AlternateContent xmlns:mc="http://schemas.openxmlformats.org/markup-compatibility/2006">
-        <mc:Choice xmlns:p14="http://schemas.microsoft.com/office/powerpoint/2010/main" Requires="p14">
+      <mc:AlternateContent xmlns:mc="http://schemas.openxmlformats.org/markup-compatibility/2006" xmlns:p14="http://schemas.microsoft.com/office/powerpoint/2010/main">
+        <mc:Choice Requires="p14">
           <p:contentPart p14:bwMode="auto" r:id="rId3">
             <p14:nvContentPartPr>
               <p14:cNvPr id="6" name="Ink 5">
@@ -4426,7 +4751,7 @@
             </p14:xfrm>
           </p:contentPart>
         </mc:Choice>
-        <mc:Fallback>
+        <mc:Fallback xmlns="">
           <p:pic>
             <p:nvPicPr>
               <p:cNvPr id="6" name="Ink 5">
@@ -4697,8 +5022,8 @@
             <a:chExt cx="1064160" cy="521640"/>
           </a:xfrm>
         </p:grpSpPr>
-        <mc:AlternateContent xmlns:mc="http://schemas.openxmlformats.org/markup-compatibility/2006">
-          <mc:Choice xmlns:p14="http://schemas.microsoft.com/office/powerpoint/2010/main" xmlns:aink="http://schemas.microsoft.com/office/drawing/2016/ink" Requires="p14 aink">
+        <mc:AlternateContent xmlns:mc="http://schemas.openxmlformats.org/markup-compatibility/2006" xmlns:p14="http://schemas.microsoft.com/office/powerpoint/2010/main" xmlns:aink="http://schemas.microsoft.com/office/drawing/2016/ink">
+          <mc:Choice Requires="p14 aink">
             <p:contentPart p14:bwMode="auto" r:id="rId3">
               <p14:nvContentPartPr>
                 <p14:cNvPr id="6" name="Ink 5">
@@ -4717,7 +5042,7 @@
               </p14:xfrm>
             </p:contentPart>
           </mc:Choice>
-          <mc:Fallback>
+          <mc:Fallback xmlns="">
             <p:pic>
               <p:nvPicPr>
                 <p:cNvPr id="6" name="Ink 5">
@@ -4748,8 +5073,8 @@
             </p:pic>
           </mc:Fallback>
         </mc:AlternateContent>
-        <mc:AlternateContent xmlns:mc="http://schemas.openxmlformats.org/markup-compatibility/2006">
-          <mc:Choice xmlns:p14="http://schemas.microsoft.com/office/powerpoint/2010/main" xmlns:aink="http://schemas.microsoft.com/office/drawing/2016/ink" Requires="p14 aink">
+        <mc:AlternateContent xmlns:mc="http://schemas.openxmlformats.org/markup-compatibility/2006" xmlns:p14="http://schemas.microsoft.com/office/powerpoint/2010/main" xmlns:aink="http://schemas.microsoft.com/office/drawing/2016/ink">
+          <mc:Choice Requires="p14 aink">
             <p:contentPart p14:bwMode="auto" r:id="rId5">
               <p14:nvContentPartPr>
                 <p14:cNvPr id="7" name="Ink 6">
@@ -4768,7 +5093,7 @@
               </p14:xfrm>
             </p:contentPart>
           </mc:Choice>
-          <mc:Fallback>
+          <mc:Fallback xmlns="">
             <p:pic>
               <p:nvPicPr>
                 <p:cNvPr id="7" name="Ink 6">
@@ -4835,6 +5160,686 @@
           <p:cNvPr id="2" name="Title 1">
             <a:extLst>
               <a:ext uri="{FF2B5EF4-FFF2-40B4-BE49-F238E27FC236}">
+                <a16:creationId xmlns:a16="http://schemas.microsoft.com/office/drawing/2014/main" id="{5A1D36B1-FF34-4C93-E0AD-9E7244BAD8D3}"/>
+              </a:ext>
+            </a:extLst>
+          </p:cNvPr>
+          <p:cNvSpPr>
+            <a:spLocks noGrp="1"/>
+          </p:cNvSpPr>
+          <p:nvPr>
+            <p:ph type="title"/>
+          </p:nvPr>
+        </p:nvSpPr>
+        <p:spPr/>
+        <p:txBody>
+          <a:bodyPr/>
+          <a:lstStyle/>
+          <a:p>
+            <a:endParaRPr lang="en-IE"/>
+          </a:p>
+        </p:txBody>
+      </p:sp>
+      <p:sp>
+        <p:nvSpPr>
+          <p:cNvPr id="3" name="Content Placeholder 2">
+            <a:extLst>
+              <a:ext uri="{FF2B5EF4-FFF2-40B4-BE49-F238E27FC236}">
+                <a16:creationId xmlns:a16="http://schemas.microsoft.com/office/drawing/2014/main" id="{AF963AE0-FE13-AEB0-85E0-AF5FCEE8B091}"/>
+              </a:ext>
+            </a:extLst>
+          </p:cNvPr>
+          <p:cNvSpPr>
+            <a:spLocks noGrp="1"/>
+          </p:cNvSpPr>
+          <p:nvPr>
+            <p:ph idx="1"/>
+          </p:nvPr>
+        </p:nvSpPr>
+        <p:spPr/>
+        <p:txBody>
+          <a:bodyPr/>
+          <a:lstStyle/>
+          <a:p>
+            <a:endParaRPr lang="en-IE"/>
+          </a:p>
+        </p:txBody>
+      </p:sp>
+      <p:pic>
+        <p:nvPicPr>
+          <p:cNvPr id="5" name="Picture 4">
+            <a:extLst>
+              <a:ext uri="{FF2B5EF4-FFF2-40B4-BE49-F238E27FC236}">
+                <a16:creationId xmlns:a16="http://schemas.microsoft.com/office/drawing/2014/main" id="{1EAC913F-DF7B-238A-8F88-6752D8E0B8AD}"/>
+              </a:ext>
+            </a:extLst>
+          </p:cNvPr>
+          <p:cNvPicPr>
+            <a:picLocks noChangeAspect="1"/>
+          </p:cNvPicPr>
+          <p:nvPr/>
+        </p:nvPicPr>
+        <p:blipFill>
+          <a:blip r:embed="rId2"/>
+          <a:stretch>
+            <a:fillRect/>
+          </a:stretch>
+        </p:blipFill>
+        <p:spPr>
+          <a:xfrm>
+            <a:off x="0" y="330981"/>
+            <a:ext cx="12192000" cy="6196038"/>
+          </a:xfrm>
+          <a:prstGeom prst="rect">
+            <a:avLst/>
+          </a:prstGeom>
+        </p:spPr>
+      </p:pic>
+      <p:pic>
+        <p:nvPicPr>
+          <p:cNvPr id="6" name="Picture 5">
+            <a:extLst>
+              <a:ext uri="{FF2B5EF4-FFF2-40B4-BE49-F238E27FC236}">
+                <a16:creationId xmlns:a16="http://schemas.microsoft.com/office/drawing/2014/main" id="{1B109571-C504-9835-D09D-14C6214DF84A}"/>
+              </a:ext>
+            </a:extLst>
+          </p:cNvPr>
+          <p:cNvPicPr>
+            <a:picLocks noChangeAspect="1"/>
+          </p:cNvPicPr>
+          <p:nvPr/>
+        </p:nvPicPr>
+        <p:blipFill>
+          <a:blip r:embed="rId3"/>
+          <a:stretch>
+            <a:fillRect/>
+          </a:stretch>
+        </p:blipFill>
+        <p:spPr>
+          <a:xfrm>
+            <a:off x="334926" y="2526519"/>
+            <a:ext cx="5334000" cy="4000500"/>
+          </a:xfrm>
+          <a:prstGeom prst="rect">
+            <a:avLst/>
+          </a:prstGeom>
+        </p:spPr>
+      </p:pic>
+      <mc:AlternateContent xmlns:mc="http://schemas.openxmlformats.org/markup-compatibility/2006">
+        <mc:Choice xmlns:p14="http://schemas.microsoft.com/office/powerpoint/2010/main" xmlns:aink="http://schemas.microsoft.com/office/drawing/2016/ink" Requires="p14 aink">
+          <p:contentPart p14:bwMode="auto" r:id="rId4">
+            <p14:nvContentPartPr>
+              <p14:cNvPr id="7" name="Ink 6">
+                <a:extLst>
+                  <a:ext uri="{FF2B5EF4-FFF2-40B4-BE49-F238E27FC236}">
+                    <a16:creationId xmlns:a16="http://schemas.microsoft.com/office/drawing/2014/main" id="{77E34F8C-62A1-E868-76AD-9AA0389DA55A}"/>
+                  </a:ext>
+                </a:extLst>
+              </p14:cNvPr>
+              <p14:cNvContentPartPr/>
+              <p14:nvPr/>
+            </p14:nvContentPartPr>
+            <p14:xfrm>
+              <a:off x="5836647" y="4667216"/>
+              <a:ext cx="437040" cy="446760"/>
+            </p14:xfrm>
+          </p:contentPart>
+        </mc:Choice>
+        <mc:Fallback>
+          <p:pic>
+            <p:nvPicPr>
+              <p:cNvPr id="7" name="Ink 6">
+                <a:extLst>
+                  <a:ext uri="{FF2B5EF4-FFF2-40B4-BE49-F238E27FC236}">
+                    <a16:creationId xmlns:a16="http://schemas.microsoft.com/office/drawing/2014/main" id="{77E34F8C-62A1-E868-76AD-9AA0389DA55A}"/>
+                  </a:ext>
+                </a:extLst>
+              </p:cNvPr>
+              <p:cNvPicPr/>
+              <p:nvPr/>
+            </p:nvPicPr>
+            <p:blipFill>
+              <a:blip r:embed="rId5"/>
+              <a:stretch>
+                <a:fillRect/>
+              </a:stretch>
+            </p:blipFill>
+            <p:spPr>
+              <a:xfrm>
+                <a:off x="5828007" y="4658576"/>
+                <a:ext cx="454680" cy="464400"/>
+              </a:xfrm>
+              <a:prstGeom prst="rect">
+                <a:avLst/>
+              </a:prstGeom>
+            </p:spPr>
+          </p:pic>
+        </mc:Fallback>
+      </mc:AlternateContent>
+      <mc:AlternateContent xmlns:mc="http://schemas.openxmlformats.org/markup-compatibility/2006">
+        <mc:Choice xmlns:p14="http://schemas.microsoft.com/office/powerpoint/2010/main" xmlns:aink="http://schemas.microsoft.com/office/drawing/2016/ink" Requires="p14 aink">
+          <p:contentPart p14:bwMode="auto" r:id="rId6">
+            <p14:nvContentPartPr>
+              <p14:cNvPr id="8" name="Ink 7">
+                <a:extLst>
+                  <a:ext uri="{FF2B5EF4-FFF2-40B4-BE49-F238E27FC236}">
+                    <a16:creationId xmlns:a16="http://schemas.microsoft.com/office/drawing/2014/main" id="{B9418C9B-E076-F862-16C1-5E66F9D7C4FE}"/>
+                  </a:ext>
+                </a:extLst>
+              </p14:cNvPr>
+              <p14:cNvContentPartPr/>
+              <p14:nvPr/>
+            </p14:nvContentPartPr>
+            <p14:xfrm>
+              <a:off x="5836287" y="1637096"/>
+              <a:ext cx="703800" cy="563400"/>
+            </p14:xfrm>
+          </p:contentPart>
+        </mc:Choice>
+        <mc:Fallback>
+          <p:pic>
+            <p:nvPicPr>
+              <p:cNvPr id="8" name="Ink 7">
+                <a:extLst>
+                  <a:ext uri="{FF2B5EF4-FFF2-40B4-BE49-F238E27FC236}">
+                    <a16:creationId xmlns:a16="http://schemas.microsoft.com/office/drawing/2014/main" id="{B9418C9B-E076-F862-16C1-5E66F9D7C4FE}"/>
+                  </a:ext>
+                </a:extLst>
+              </p:cNvPr>
+              <p:cNvPicPr/>
+              <p:nvPr/>
+            </p:nvPicPr>
+            <p:blipFill>
+              <a:blip r:embed="rId7"/>
+              <a:stretch>
+                <a:fillRect/>
+              </a:stretch>
+            </p:blipFill>
+            <p:spPr>
+              <a:xfrm>
+                <a:off x="5827647" y="1628096"/>
+                <a:ext cx="721440" cy="581040"/>
+              </a:xfrm>
+              <a:prstGeom prst="rect">
+                <a:avLst/>
+              </a:prstGeom>
+            </p:spPr>
+          </p:pic>
+        </mc:Fallback>
+      </mc:AlternateContent>
+      <mc:AlternateContent xmlns:mc="http://schemas.openxmlformats.org/markup-compatibility/2006">
+        <mc:Choice xmlns:p14="http://schemas.microsoft.com/office/powerpoint/2010/main" xmlns:aink="http://schemas.microsoft.com/office/drawing/2016/ink" Requires="p14 aink">
+          <p:contentPart p14:bwMode="auto" r:id="rId8">
+            <p14:nvContentPartPr>
+              <p14:cNvPr id="9" name="Ink 8">
+                <a:extLst>
+                  <a:ext uri="{FF2B5EF4-FFF2-40B4-BE49-F238E27FC236}">
+                    <a16:creationId xmlns:a16="http://schemas.microsoft.com/office/drawing/2014/main" id="{E70E772B-4AAD-2878-C298-7C19F7467A09}"/>
+                  </a:ext>
+                </a:extLst>
+              </p14:cNvPr>
+              <p14:cNvContentPartPr/>
+              <p14:nvPr/>
+            </p14:nvContentPartPr>
+            <p14:xfrm>
+              <a:off x="8335047" y="1562576"/>
+              <a:ext cx="1107720" cy="798480"/>
+            </p14:xfrm>
+          </p:contentPart>
+        </mc:Choice>
+        <mc:Fallback>
+          <p:pic>
+            <p:nvPicPr>
+              <p:cNvPr id="9" name="Ink 8">
+                <a:extLst>
+                  <a:ext uri="{FF2B5EF4-FFF2-40B4-BE49-F238E27FC236}">
+                    <a16:creationId xmlns:a16="http://schemas.microsoft.com/office/drawing/2014/main" id="{E70E772B-4AAD-2878-C298-7C19F7467A09}"/>
+                  </a:ext>
+                </a:extLst>
+              </p:cNvPr>
+              <p:cNvPicPr/>
+              <p:nvPr/>
+            </p:nvPicPr>
+            <p:blipFill>
+              <a:blip r:embed="rId9"/>
+              <a:stretch>
+                <a:fillRect/>
+              </a:stretch>
+            </p:blipFill>
+            <p:spPr>
+              <a:xfrm>
+                <a:off x="8326047" y="1553936"/>
+                <a:ext cx="1125360" cy="816120"/>
+              </a:xfrm>
+              <a:prstGeom prst="rect">
+                <a:avLst/>
+              </a:prstGeom>
+            </p:spPr>
+          </p:pic>
+        </mc:Fallback>
+      </mc:AlternateContent>
+      <mc:AlternateContent xmlns:mc="http://schemas.openxmlformats.org/markup-compatibility/2006">
+        <mc:Choice xmlns:p14="http://schemas.microsoft.com/office/powerpoint/2010/main" xmlns:aink="http://schemas.microsoft.com/office/drawing/2016/ink" Requires="p14 aink">
+          <p:contentPart p14:bwMode="auto" r:id="rId10">
+            <p14:nvContentPartPr>
+              <p14:cNvPr id="10" name="Ink 9">
+                <a:extLst>
+                  <a:ext uri="{FF2B5EF4-FFF2-40B4-BE49-F238E27FC236}">
+                    <a16:creationId xmlns:a16="http://schemas.microsoft.com/office/drawing/2014/main" id="{1F8E3219-AC99-F697-F53C-D03A0A78B0C4}"/>
+                  </a:ext>
+                </a:extLst>
+              </p14:cNvPr>
+              <p14:cNvContentPartPr/>
+              <p14:nvPr/>
+            </p14:nvContentPartPr>
+            <p14:xfrm>
+              <a:off x="8696847" y="4456976"/>
+              <a:ext cx="852840" cy="902880"/>
+            </p14:xfrm>
+          </p:contentPart>
+        </mc:Choice>
+        <mc:Fallback>
+          <p:pic>
+            <p:nvPicPr>
+              <p:cNvPr id="10" name="Ink 9">
+                <a:extLst>
+                  <a:ext uri="{FF2B5EF4-FFF2-40B4-BE49-F238E27FC236}">
+                    <a16:creationId xmlns:a16="http://schemas.microsoft.com/office/drawing/2014/main" id="{1F8E3219-AC99-F697-F53C-D03A0A78B0C4}"/>
+                  </a:ext>
+                </a:extLst>
+              </p:cNvPr>
+              <p:cNvPicPr/>
+              <p:nvPr/>
+            </p:nvPicPr>
+            <p:blipFill>
+              <a:blip r:embed="rId11"/>
+              <a:stretch>
+                <a:fillRect/>
+              </a:stretch>
+            </p:blipFill>
+            <p:spPr>
+              <a:xfrm>
+                <a:off x="8688207" y="4447976"/>
+                <a:ext cx="870480" cy="920520"/>
+              </a:xfrm>
+              <a:prstGeom prst="rect">
+                <a:avLst/>
+              </a:prstGeom>
+            </p:spPr>
+          </p:pic>
+        </mc:Fallback>
+      </mc:AlternateContent>
+      <mc:AlternateContent xmlns:mc="http://schemas.openxmlformats.org/markup-compatibility/2006">
+        <mc:Choice xmlns:p14="http://schemas.microsoft.com/office/powerpoint/2010/main" xmlns:aink="http://schemas.microsoft.com/office/drawing/2016/ink" Requires="p14 aink">
+          <p:contentPart p14:bwMode="auto" r:id="rId12">
+            <p14:nvContentPartPr>
+              <p14:cNvPr id="11" name="Ink 10">
+                <a:extLst>
+                  <a:ext uri="{FF2B5EF4-FFF2-40B4-BE49-F238E27FC236}">
+                    <a16:creationId xmlns:a16="http://schemas.microsoft.com/office/drawing/2014/main" id="{C3D2AF81-EA91-A18F-2BFD-0A3D42717834}"/>
+                  </a:ext>
+                </a:extLst>
+              </p14:cNvPr>
+              <p14:cNvContentPartPr/>
+              <p14:nvPr/>
+            </p14:nvContentPartPr>
+            <p14:xfrm>
+              <a:off x="2742447" y="3667496"/>
+              <a:ext cx="447840" cy="788760"/>
+            </p14:xfrm>
+          </p:contentPart>
+        </mc:Choice>
+        <mc:Fallback>
+          <p:pic>
+            <p:nvPicPr>
+              <p:cNvPr id="11" name="Ink 10">
+                <a:extLst>
+                  <a:ext uri="{FF2B5EF4-FFF2-40B4-BE49-F238E27FC236}">
+                    <a16:creationId xmlns:a16="http://schemas.microsoft.com/office/drawing/2014/main" id="{C3D2AF81-EA91-A18F-2BFD-0A3D42717834}"/>
+                  </a:ext>
+                </a:extLst>
+              </p:cNvPr>
+              <p:cNvPicPr/>
+              <p:nvPr/>
+            </p:nvPicPr>
+            <p:blipFill>
+              <a:blip r:embed="rId13"/>
+              <a:stretch>
+                <a:fillRect/>
+              </a:stretch>
+            </p:blipFill>
+            <p:spPr>
+              <a:xfrm>
+                <a:off x="2733447" y="3658496"/>
+                <a:ext cx="465480" cy="806400"/>
+              </a:xfrm>
+              <a:prstGeom prst="rect">
+                <a:avLst/>
+              </a:prstGeom>
+            </p:spPr>
+          </p:pic>
+        </mc:Fallback>
+      </mc:AlternateContent>
+      <mc:AlternateContent xmlns:mc="http://schemas.openxmlformats.org/markup-compatibility/2006">
+        <mc:Choice xmlns:p14="http://schemas.microsoft.com/office/powerpoint/2010/main" xmlns:aink="http://schemas.microsoft.com/office/drawing/2016/ink" Requires="p14 aink">
+          <p:contentPart p14:bwMode="auto" r:id="rId14">
+            <p14:nvContentPartPr>
+              <p14:cNvPr id="12" name="Ink 11">
+                <a:extLst>
+                  <a:ext uri="{FF2B5EF4-FFF2-40B4-BE49-F238E27FC236}">
+                    <a16:creationId xmlns:a16="http://schemas.microsoft.com/office/drawing/2014/main" id="{F2F32215-6262-1265-4B74-009DC369F867}"/>
+                  </a:ext>
+                </a:extLst>
+              </p14:cNvPr>
+              <p14:cNvContentPartPr/>
+              <p14:nvPr/>
+            </p14:nvContentPartPr>
+            <p14:xfrm>
+              <a:off x="3975807" y="3551576"/>
+              <a:ext cx="607680" cy="617400"/>
+            </p14:xfrm>
+          </p:contentPart>
+        </mc:Choice>
+        <mc:Fallback>
+          <p:pic>
+            <p:nvPicPr>
+              <p:cNvPr id="12" name="Ink 11">
+                <a:extLst>
+                  <a:ext uri="{FF2B5EF4-FFF2-40B4-BE49-F238E27FC236}">
+                    <a16:creationId xmlns:a16="http://schemas.microsoft.com/office/drawing/2014/main" id="{F2F32215-6262-1265-4B74-009DC369F867}"/>
+                  </a:ext>
+                </a:extLst>
+              </p:cNvPr>
+              <p:cNvPicPr/>
+              <p:nvPr/>
+            </p:nvPicPr>
+            <p:blipFill>
+              <a:blip r:embed="rId15"/>
+              <a:stretch>
+                <a:fillRect/>
+              </a:stretch>
+            </p:blipFill>
+            <p:spPr>
+              <a:xfrm>
+                <a:off x="3966807" y="3542576"/>
+                <a:ext cx="625320" cy="635040"/>
+              </a:xfrm>
+              <a:prstGeom prst="rect">
+                <a:avLst/>
+              </a:prstGeom>
+            </p:spPr>
+          </p:pic>
+        </mc:Fallback>
+      </mc:AlternateContent>
+      <mc:AlternateContent xmlns:mc="http://schemas.openxmlformats.org/markup-compatibility/2006">
+        <mc:Choice xmlns:p14="http://schemas.microsoft.com/office/powerpoint/2010/main" xmlns:aink="http://schemas.microsoft.com/office/drawing/2016/ink" Requires="p14 aink">
+          <p:contentPart p14:bwMode="auto" r:id="rId16">
+            <p14:nvContentPartPr>
+              <p14:cNvPr id="13" name="Ink 12">
+                <a:extLst>
+                  <a:ext uri="{FF2B5EF4-FFF2-40B4-BE49-F238E27FC236}">
+                    <a16:creationId xmlns:a16="http://schemas.microsoft.com/office/drawing/2014/main" id="{AEB40DDB-CDE4-8DC7-0C04-1AAC4B7F1A18}"/>
+                  </a:ext>
+                </a:extLst>
+              </p14:cNvPr>
+              <p14:cNvContentPartPr/>
+              <p14:nvPr/>
+            </p14:nvContentPartPr>
+            <p14:xfrm>
+              <a:off x="2752887" y="5252576"/>
+              <a:ext cx="511920" cy="297000"/>
+            </p14:xfrm>
+          </p:contentPart>
+        </mc:Choice>
+        <mc:Fallback>
+          <p:pic>
+            <p:nvPicPr>
+              <p:cNvPr id="13" name="Ink 12">
+                <a:extLst>
+                  <a:ext uri="{FF2B5EF4-FFF2-40B4-BE49-F238E27FC236}">
+                    <a16:creationId xmlns:a16="http://schemas.microsoft.com/office/drawing/2014/main" id="{AEB40DDB-CDE4-8DC7-0C04-1AAC4B7F1A18}"/>
+                  </a:ext>
+                </a:extLst>
+              </p:cNvPr>
+              <p:cNvPicPr/>
+              <p:nvPr/>
+            </p:nvPicPr>
+            <p:blipFill>
+              <a:blip r:embed="rId17"/>
+              <a:stretch>
+                <a:fillRect/>
+              </a:stretch>
+            </p:blipFill>
+            <p:spPr>
+              <a:xfrm>
+                <a:off x="2744247" y="5243576"/>
+                <a:ext cx="529560" cy="314640"/>
+              </a:xfrm>
+              <a:prstGeom prst="rect">
+                <a:avLst/>
+              </a:prstGeom>
+            </p:spPr>
+          </p:pic>
+        </mc:Fallback>
+      </mc:AlternateContent>
+      <mc:AlternateContent xmlns:mc="http://schemas.openxmlformats.org/markup-compatibility/2006">
+        <mc:Choice xmlns:p14="http://schemas.microsoft.com/office/powerpoint/2010/main" xmlns:aink="http://schemas.microsoft.com/office/drawing/2016/ink" Requires="p14 aink">
+          <p:contentPart p14:bwMode="auto" r:id="rId18">
+            <p14:nvContentPartPr>
+              <p14:cNvPr id="14" name="Ink 13">
+                <a:extLst>
+                  <a:ext uri="{FF2B5EF4-FFF2-40B4-BE49-F238E27FC236}">
+                    <a16:creationId xmlns:a16="http://schemas.microsoft.com/office/drawing/2014/main" id="{E1E947B8-D847-C6D7-7FCD-F839C33CD8EE}"/>
+                  </a:ext>
+                </a:extLst>
+              </p14:cNvPr>
+              <p14:cNvContentPartPr/>
+              <p14:nvPr/>
+            </p14:nvContentPartPr>
+            <p14:xfrm>
+              <a:off x="4103607" y="5283896"/>
+              <a:ext cx="480240" cy="330840"/>
+            </p14:xfrm>
+          </p:contentPart>
+        </mc:Choice>
+        <mc:Fallback>
+          <p:pic>
+            <p:nvPicPr>
+              <p:cNvPr id="14" name="Ink 13">
+                <a:extLst>
+                  <a:ext uri="{FF2B5EF4-FFF2-40B4-BE49-F238E27FC236}">
+                    <a16:creationId xmlns:a16="http://schemas.microsoft.com/office/drawing/2014/main" id="{E1E947B8-D847-C6D7-7FCD-F839C33CD8EE}"/>
+                  </a:ext>
+                </a:extLst>
+              </p:cNvPr>
+              <p:cNvPicPr/>
+              <p:nvPr/>
+            </p:nvPicPr>
+            <p:blipFill>
+              <a:blip r:embed="rId19"/>
+              <a:stretch>
+                <a:fillRect/>
+              </a:stretch>
+            </p:blipFill>
+            <p:spPr>
+              <a:xfrm>
+                <a:off x="4094607" y="5274896"/>
+                <a:ext cx="497880" cy="348480"/>
+              </a:xfrm>
+              <a:prstGeom prst="rect">
+                <a:avLst/>
+              </a:prstGeom>
+            </p:spPr>
+          </p:pic>
+        </mc:Fallback>
+      </mc:AlternateContent>
+      <p:pic>
+        <p:nvPicPr>
+          <p:cNvPr id="16" name="Picture 15">
+            <a:extLst>
+              <a:ext uri="{FF2B5EF4-FFF2-40B4-BE49-F238E27FC236}">
+                <a16:creationId xmlns:a16="http://schemas.microsoft.com/office/drawing/2014/main" id="{93D9A772-2ED6-EB1D-F901-E5DAF5BC9CB2}"/>
+              </a:ext>
+            </a:extLst>
+          </p:cNvPr>
+          <p:cNvPicPr>
+            <a:picLocks noChangeAspect="1"/>
+          </p:cNvPicPr>
+          <p:nvPr/>
+        </p:nvPicPr>
+        <p:blipFill>
+          <a:blip r:embed="rId20"/>
+          <a:stretch>
+            <a:fillRect/>
+          </a:stretch>
+        </p:blipFill>
+        <p:spPr>
+          <a:xfrm>
+            <a:off x="5704961" y="2602457"/>
+            <a:ext cx="5334000" cy="4000500"/>
+          </a:xfrm>
+          <a:prstGeom prst="rect">
+            <a:avLst/>
+          </a:prstGeom>
+        </p:spPr>
+      </p:pic>
+      <mc:AlternateContent xmlns:mc="http://schemas.openxmlformats.org/markup-compatibility/2006">
+        <mc:Choice xmlns:p14="http://schemas.microsoft.com/office/powerpoint/2010/main" xmlns:aink="http://schemas.microsoft.com/office/drawing/2016/ink" Requires="p14 aink">
+          <p:contentPart p14:bwMode="auto" r:id="rId21">
+            <p14:nvContentPartPr>
+              <p14:cNvPr id="17" name="Ink 16">
+                <a:extLst>
+                  <a:ext uri="{FF2B5EF4-FFF2-40B4-BE49-F238E27FC236}">
+                    <a16:creationId xmlns:a16="http://schemas.microsoft.com/office/drawing/2014/main" id="{A8B51D8B-936F-E414-1A87-AB9E28AF4316}"/>
+                  </a:ext>
+                </a:extLst>
+              </p14:cNvPr>
+              <p14:cNvContentPartPr/>
+              <p14:nvPr/>
+            </p14:nvContentPartPr>
+            <p14:xfrm>
+              <a:off x="8091327" y="5358416"/>
+              <a:ext cx="558000" cy="320760"/>
+            </p14:xfrm>
+          </p:contentPart>
+        </mc:Choice>
+        <mc:Fallback>
+          <p:pic>
+            <p:nvPicPr>
+              <p:cNvPr id="17" name="Ink 16">
+                <a:extLst>
+                  <a:ext uri="{FF2B5EF4-FFF2-40B4-BE49-F238E27FC236}">
+                    <a16:creationId xmlns:a16="http://schemas.microsoft.com/office/drawing/2014/main" id="{A8B51D8B-936F-E414-1A87-AB9E28AF4316}"/>
+                  </a:ext>
+                </a:extLst>
+              </p:cNvPr>
+              <p:cNvPicPr/>
+              <p:nvPr/>
+            </p:nvPicPr>
+            <p:blipFill>
+              <a:blip r:embed="rId22"/>
+              <a:stretch>
+                <a:fillRect/>
+              </a:stretch>
+            </p:blipFill>
+            <p:spPr>
+              <a:xfrm>
+                <a:off x="8082687" y="5349416"/>
+                <a:ext cx="575640" cy="338400"/>
+              </a:xfrm>
+              <a:prstGeom prst="rect">
+                <a:avLst/>
+              </a:prstGeom>
+            </p:spPr>
+          </p:pic>
+        </mc:Fallback>
+      </mc:AlternateContent>
+      <mc:AlternateContent xmlns:mc="http://schemas.openxmlformats.org/markup-compatibility/2006">
+        <mc:Choice xmlns:p14="http://schemas.microsoft.com/office/powerpoint/2010/main" xmlns:aink="http://schemas.microsoft.com/office/drawing/2016/ink" Requires="p14 aink">
+          <p:contentPart p14:bwMode="auto" r:id="rId23">
+            <p14:nvContentPartPr>
+              <p14:cNvPr id="18" name="Ink 17">
+                <a:extLst>
+                  <a:ext uri="{FF2B5EF4-FFF2-40B4-BE49-F238E27FC236}">
+                    <a16:creationId xmlns:a16="http://schemas.microsoft.com/office/drawing/2014/main" id="{B966BF7C-CAFB-12BB-D941-6217132CA6C5}"/>
+                  </a:ext>
+                </a:extLst>
+              </p14:cNvPr>
+              <p14:cNvContentPartPr/>
+              <p14:nvPr/>
+            </p14:nvContentPartPr>
+            <p14:xfrm>
+              <a:off x="8165487" y="3561296"/>
+              <a:ext cx="2359080" cy="65160"/>
+            </p14:xfrm>
+          </p:contentPart>
+        </mc:Choice>
+        <mc:Fallback>
+          <p:pic>
+            <p:nvPicPr>
+              <p:cNvPr id="18" name="Ink 17">
+                <a:extLst>
+                  <a:ext uri="{FF2B5EF4-FFF2-40B4-BE49-F238E27FC236}">
+                    <a16:creationId xmlns:a16="http://schemas.microsoft.com/office/drawing/2014/main" id="{B966BF7C-CAFB-12BB-D941-6217132CA6C5}"/>
+                  </a:ext>
+                </a:extLst>
+              </p:cNvPr>
+              <p:cNvPicPr/>
+              <p:nvPr/>
+            </p:nvPicPr>
+            <p:blipFill>
+              <a:blip r:embed="rId24"/>
+              <a:stretch>
+                <a:fillRect/>
+              </a:stretch>
+            </p:blipFill>
+            <p:spPr>
+              <a:xfrm>
+                <a:off x="8156847" y="3552656"/>
+                <a:ext cx="2376720" cy="82800"/>
+              </a:xfrm>
+              <a:prstGeom prst="rect">
+                <a:avLst/>
+              </a:prstGeom>
+            </p:spPr>
+          </p:pic>
+        </mc:Fallback>
+      </mc:AlternateContent>
+    </p:spTree>
+    <p:extLst>
+      <p:ext uri="{BB962C8B-B14F-4D97-AF65-F5344CB8AC3E}">
+        <p14:creationId xmlns:p14="http://schemas.microsoft.com/office/powerpoint/2010/main" val="2293747548"/>
+      </p:ext>
+    </p:extLst>
+  </p:cSld>
+  <p:clrMapOvr>
+    <a:masterClrMapping/>
+  </p:clrMapOvr>
+</p:sld>
+</file>
+
+<file path=ppt/slides/slide5.xml><?xml version="1.0" encoding="utf-8"?>
+<p:sld xmlns:a="http://schemas.openxmlformats.org/drawingml/2006/main" xmlns:r="http://schemas.openxmlformats.org/officeDocument/2006/relationships" xmlns:p="http://schemas.openxmlformats.org/presentationml/2006/main">
+  <p:cSld>
+    <p:spTree>
+      <p:nvGrpSpPr>
+        <p:cNvPr id="1" name=""/>
+        <p:cNvGrpSpPr/>
+        <p:nvPr/>
+      </p:nvGrpSpPr>
+      <p:grpSpPr>
+        <a:xfrm>
+          <a:off x="0" y="0"/>
+          <a:ext cx="0" cy="0"/>
+          <a:chOff x="0" y="0"/>
+          <a:chExt cx="0" cy="0"/>
+        </a:xfrm>
+      </p:grpSpPr>
+      <p:sp>
+        <p:nvSpPr>
+          <p:cNvPr id="2" name="Title 1">
+            <a:extLst>
+              <a:ext uri="{FF2B5EF4-FFF2-40B4-BE49-F238E27FC236}">
                 <a16:creationId xmlns:a16="http://schemas.microsoft.com/office/drawing/2014/main" id="{66D79003-9860-07BE-9C50-789AB9AFAD27}"/>
               </a:ext>
             </a:extLst>
@@ -4923,7 +5928,7 @@
 </p:sld>
 </file>
 
-<file path=ppt/slides/slide5.xml><?xml version="1.0" encoding="utf-8"?>
+<file path=ppt/slides/slide6.xml><?xml version="1.0" encoding="utf-8"?>
 <p:sld xmlns:a="http://schemas.openxmlformats.org/drawingml/2006/main" xmlns:r="http://schemas.openxmlformats.org/officeDocument/2006/relationships" xmlns:p="http://schemas.openxmlformats.org/presentationml/2006/main">
   <p:cSld>
     <p:spTree>
@@ -5033,7 +6038,7 @@
 </p:sld>
 </file>
 
-<file path=ppt/slides/slide6.xml><?xml version="1.0" encoding="utf-8"?>
+<file path=ppt/slides/slide7.xml><?xml version="1.0" encoding="utf-8"?>
 <p:sld xmlns:a="http://schemas.openxmlformats.org/drawingml/2006/main" xmlns:r="http://schemas.openxmlformats.org/officeDocument/2006/relationships" xmlns:p="http://schemas.openxmlformats.org/presentationml/2006/main">
   <p:cSld>
     <p:spTree>
@@ -5143,7 +6148,7 @@
 </p:sld>
 </file>
 
-<file path=ppt/slides/slide7.xml><?xml version="1.0" encoding="utf-8"?>
+<file path=ppt/slides/slide8.xml><?xml version="1.0" encoding="utf-8"?>
 <p:sld xmlns:a="http://schemas.openxmlformats.org/drawingml/2006/main" xmlns:r="http://schemas.openxmlformats.org/officeDocument/2006/relationships" xmlns:p="http://schemas.openxmlformats.org/presentationml/2006/main">
   <p:cSld>
     <p:spTree>
@@ -5253,7 +6258,7 @@
 </p:sld>
 </file>
 
-<file path=ppt/slides/slide8.xml><?xml version="1.0" encoding="utf-8"?>
+<file path=ppt/slides/slide9.xml><?xml version="1.0" encoding="utf-8"?>
 <p:sld xmlns:a="http://schemas.openxmlformats.org/drawingml/2006/main" xmlns:r="http://schemas.openxmlformats.org/officeDocument/2006/relationships" xmlns:p="http://schemas.openxmlformats.org/presentationml/2006/main">
   <p:cSld>
     <p:spTree>
@@ -5354,116 +6359,6 @@
     <p:extLst>
       <p:ext uri="{BB962C8B-B14F-4D97-AF65-F5344CB8AC3E}">
         <p14:creationId xmlns:p14="http://schemas.microsoft.com/office/powerpoint/2010/main" val="2332568247"/>
-      </p:ext>
-    </p:extLst>
-  </p:cSld>
-  <p:clrMapOvr>
-    <a:masterClrMapping/>
-  </p:clrMapOvr>
-</p:sld>
-</file>
-
-<file path=ppt/slides/slide9.xml><?xml version="1.0" encoding="utf-8"?>
-<p:sld xmlns:a="http://schemas.openxmlformats.org/drawingml/2006/main" xmlns:r="http://schemas.openxmlformats.org/officeDocument/2006/relationships" xmlns:p="http://schemas.openxmlformats.org/presentationml/2006/main">
-  <p:cSld>
-    <p:spTree>
-      <p:nvGrpSpPr>
-        <p:cNvPr id="1" name=""/>
-        <p:cNvGrpSpPr/>
-        <p:nvPr/>
-      </p:nvGrpSpPr>
-      <p:grpSpPr>
-        <a:xfrm>
-          <a:off x="0" y="0"/>
-          <a:ext cx="0" cy="0"/>
-          <a:chOff x="0" y="0"/>
-          <a:chExt cx="0" cy="0"/>
-        </a:xfrm>
-      </p:grpSpPr>
-      <p:sp>
-        <p:nvSpPr>
-          <p:cNvPr id="2" name="Title 1">
-            <a:extLst>
-              <a:ext uri="{FF2B5EF4-FFF2-40B4-BE49-F238E27FC236}">
-                <a16:creationId xmlns:a16="http://schemas.microsoft.com/office/drawing/2014/main" id="{702A690A-9B2C-A141-0238-E2E67FEAA507}"/>
-              </a:ext>
-            </a:extLst>
-          </p:cNvPr>
-          <p:cNvSpPr>
-            <a:spLocks noGrp="1"/>
-          </p:cNvSpPr>
-          <p:nvPr>
-            <p:ph type="title"/>
-          </p:nvPr>
-        </p:nvSpPr>
-        <p:spPr/>
-        <p:txBody>
-          <a:bodyPr/>
-          <a:lstStyle/>
-          <a:p>
-            <a:endParaRPr lang="en-IE"/>
-          </a:p>
-        </p:txBody>
-      </p:sp>
-      <p:sp>
-        <p:nvSpPr>
-          <p:cNvPr id="3" name="Content Placeholder 2">
-            <a:extLst>
-              <a:ext uri="{FF2B5EF4-FFF2-40B4-BE49-F238E27FC236}">
-                <a16:creationId xmlns:a16="http://schemas.microsoft.com/office/drawing/2014/main" id="{10B455BD-5E08-774B-B6AE-541538DD1397}"/>
-              </a:ext>
-            </a:extLst>
-          </p:cNvPr>
-          <p:cNvSpPr>
-            <a:spLocks noGrp="1"/>
-          </p:cNvSpPr>
-          <p:nvPr>
-            <p:ph idx="1"/>
-          </p:nvPr>
-        </p:nvSpPr>
-        <p:spPr/>
-        <p:txBody>
-          <a:bodyPr/>
-          <a:lstStyle/>
-          <a:p>
-            <a:endParaRPr lang="en-IE"/>
-          </a:p>
-        </p:txBody>
-      </p:sp>
-      <p:pic>
-        <p:nvPicPr>
-          <p:cNvPr id="5" name="Picture 4">
-            <a:extLst>
-              <a:ext uri="{FF2B5EF4-FFF2-40B4-BE49-F238E27FC236}">
-                <a16:creationId xmlns:a16="http://schemas.microsoft.com/office/drawing/2014/main" id="{96EF4825-19AD-F8CC-B368-0F0F1972C1E3}"/>
-              </a:ext>
-            </a:extLst>
-          </p:cNvPr>
-          <p:cNvPicPr>
-            <a:picLocks noChangeAspect="1"/>
-          </p:cNvPicPr>
-          <p:nvPr/>
-        </p:nvPicPr>
-        <p:blipFill>
-          <a:blip r:embed="rId2"/>
-          <a:stretch>
-            <a:fillRect/>
-          </a:stretch>
-        </p:blipFill>
-        <p:spPr>
-          <a:xfrm>
-            <a:off x="0" y="330981"/>
-            <a:ext cx="12192000" cy="6196038"/>
-          </a:xfrm>
-          <a:prstGeom prst="rect">
-            <a:avLst/>
-          </a:prstGeom>
-        </p:spPr>
-      </p:pic>
-    </p:spTree>
-    <p:extLst>
-      <p:ext uri="{BB962C8B-B14F-4D97-AF65-F5344CB8AC3E}">
-        <p14:creationId xmlns:p14="http://schemas.microsoft.com/office/powerpoint/2010/main" val="2557417226"/>
       </p:ext>
     </p:extLst>
   </p:cSld>

--- a/EMG.pptx
+++ b/EMG.pptx
@@ -6,19 +6,20 @@
   </p:sldMasterIdLst>
   <p:sldIdLst>
     <p:sldId id="256" r:id="rId2"/>
-    <p:sldId id="258" r:id="rId3"/>
-    <p:sldId id="269" r:id="rId4"/>
-    <p:sldId id="263" r:id="rId5"/>
-    <p:sldId id="257" r:id="rId6"/>
-    <p:sldId id="264" r:id="rId7"/>
-    <p:sldId id="265" r:id="rId8"/>
-    <p:sldId id="259" r:id="rId9"/>
-    <p:sldId id="261" r:id="rId10"/>
-    <p:sldId id="262" r:id="rId11"/>
-    <p:sldId id="260" r:id="rId12"/>
-    <p:sldId id="266" r:id="rId13"/>
-    <p:sldId id="267" r:id="rId14"/>
-    <p:sldId id="268" r:id="rId15"/>
+    <p:sldId id="270" r:id="rId3"/>
+    <p:sldId id="258" r:id="rId4"/>
+    <p:sldId id="269" r:id="rId5"/>
+    <p:sldId id="263" r:id="rId6"/>
+    <p:sldId id="257" r:id="rId7"/>
+    <p:sldId id="264" r:id="rId8"/>
+    <p:sldId id="265" r:id="rId9"/>
+    <p:sldId id="259" r:id="rId10"/>
+    <p:sldId id="261" r:id="rId11"/>
+    <p:sldId id="262" r:id="rId12"/>
+    <p:sldId id="260" r:id="rId13"/>
+    <p:sldId id="266" r:id="rId14"/>
+    <p:sldId id="267" r:id="rId15"/>
+    <p:sldId id="268" r:id="rId16"/>
   </p:sldIdLst>
   <p:sldSz cx="12192000" cy="6858000"/>
   <p:notesSz cx="6858000" cy="9144000"/>
@@ -803,7 +804,7 @@
           <a:p>
             <a:fld id="{676D6900-1E45-4DD1-AC20-8A1B88BFFA7D}" type="datetimeFigureOut">
               <a:rPr lang="en-IE" smtClean="0"/>
-              <a:t>02/08/2024</a:t>
+              <a:t>08/08/2024</a:t>
             </a:fld>
             <a:endParaRPr lang="en-IE"/>
           </a:p>
@@ -1003,7 +1004,7 @@
           <a:p>
             <a:fld id="{676D6900-1E45-4DD1-AC20-8A1B88BFFA7D}" type="datetimeFigureOut">
               <a:rPr lang="en-IE" smtClean="0"/>
-              <a:t>02/08/2024</a:t>
+              <a:t>08/08/2024</a:t>
             </a:fld>
             <a:endParaRPr lang="en-IE"/>
           </a:p>
@@ -1213,7 +1214,7 @@
           <a:p>
             <a:fld id="{676D6900-1E45-4DD1-AC20-8A1B88BFFA7D}" type="datetimeFigureOut">
               <a:rPr lang="en-IE" smtClean="0"/>
-              <a:t>02/08/2024</a:t>
+              <a:t>08/08/2024</a:t>
             </a:fld>
             <a:endParaRPr lang="en-IE"/>
           </a:p>
@@ -1413,7 +1414,7 @@
           <a:p>
             <a:fld id="{676D6900-1E45-4DD1-AC20-8A1B88BFFA7D}" type="datetimeFigureOut">
               <a:rPr lang="en-IE" smtClean="0"/>
-              <a:t>02/08/2024</a:t>
+              <a:t>08/08/2024</a:t>
             </a:fld>
             <a:endParaRPr lang="en-IE"/>
           </a:p>
@@ -1689,7 +1690,7 @@
           <a:p>
             <a:fld id="{676D6900-1E45-4DD1-AC20-8A1B88BFFA7D}" type="datetimeFigureOut">
               <a:rPr lang="en-IE" smtClean="0"/>
-              <a:t>02/08/2024</a:t>
+              <a:t>08/08/2024</a:t>
             </a:fld>
             <a:endParaRPr lang="en-IE"/>
           </a:p>
@@ -1957,7 +1958,7 @@
           <a:p>
             <a:fld id="{676D6900-1E45-4DD1-AC20-8A1B88BFFA7D}" type="datetimeFigureOut">
               <a:rPr lang="en-IE" smtClean="0"/>
-              <a:t>02/08/2024</a:t>
+              <a:t>08/08/2024</a:t>
             </a:fld>
             <a:endParaRPr lang="en-IE"/>
           </a:p>
@@ -2372,7 +2373,7 @@
           <a:p>
             <a:fld id="{676D6900-1E45-4DD1-AC20-8A1B88BFFA7D}" type="datetimeFigureOut">
               <a:rPr lang="en-IE" smtClean="0"/>
-              <a:t>02/08/2024</a:t>
+              <a:t>08/08/2024</a:t>
             </a:fld>
             <a:endParaRPr lang="en-IE"/>
           </a:p>
@@ -2514,7 +2515,7 @@
           <a:p>
             <a:fld id="{676D6900-1E45-4DD1-AC20-8A1B88BFFA7D}" type="datetimeFigureOut">
               <a:rPr lang="en-IE" smtClean="0"/>
-              <a:t>02/08/2024</a:t>
+              <a:t>08/08/2024</a:t>
             </a:fld>
             <a:endParaRPr lang="en-IE"/>
           </a:p>
@@ -2627,7 +2628,7 @@
           <a:p>
             <a:fld id="{676D6900-1E45-4DD1-AC20-8A1B88BFFA7D}" type="datetimeFigureOut">
               <a:rPr lang="en-IE" smtClean="0"/>
-              <a:t>02/08/2024</a:t>
+              <a:t>08/08/2024</a:t>
             </a:fld>
             <a:endParaRPr lang="en-IE"/>
           </a:p>
@@ -2940,7 +2941,7 @@
           <a:p>
             <a:fld id="{676D6900-1E45-4DD1-AC20-8A1B88BFFA7D}" type="datetimeFigureOut">
               <a:rPr lang="en-IE" smtClean="0"/>
-              <a:t>02/08/2024</a:t>
+              <a:t>08/08/2024</a:t>
             </a:fld>
             <a:endParaRPr lang="en-IE"/>
           </a:p>
@@ -3229,7 +3230,7 @@
           <a:p>
             <a:fld id="{676D6900-1E45-4DD1-AC20-8A1B88BFFA7D}" type="datetimeFigureOut">
               <a:rPr lang="en-IE" smtClean="0"/>
-              <a:t>02/08/2024</a:t>
+              <a:t>08/08/2024</a:t>
             </a:fld>
             <a:endParaRPr lang="en-IE"/>
           </a:p>
@@ -3472,7 +3473,7 @@
           <a:p>
             <a:fld id="{676D6900-1E45-4DD1-AC20-8A1B88BFFA7D}" type="datetimeFigureOut">
               <a:rPr lang="en-IE" smtClean="0"/>
-              <a:t>02/08/2024</a:t>
+              <a:t>08/08/2024</a:t>
             </a:fld>
             <a:endParaRPr lang="en-IE"/>
           </a:p>
@@ -3957,7 +3958,117 @@
 </file>
 
 <file path=ppt/slides/slide10.xml><?xml version="1.0" encoding="utf-8"?>
-<p:sld xmlns:a="http://schemas.openxmlformats.org/drawingml/2006/main" xmlns:r="http://schemas.openxmlformats.org/officeDocument/2006/relationships" xmlns:p="http://schemas.openxmlformats.org/presentationml/2006/main">
+<p:sld xmlns:a="http://schemas.openxmlformats.org/drawingml/2006/main" xmlns:r="http://schemas.openxmlformats.org/officeDocument/2006/relationships" xmlns:p="http://schemas.openxmlformats.org/presentationml/2006/main" show="0">
+  <p:cSld>
+    <p:spTree>
+      <p:nvGrpSpPr>
+        <p:cNvPr id="1" name=""/>
+        <p:cNvGrpSpPr/>
+        <p:nvPr/>
+      </p:nvGrpSpPr>
+      <p:grpSpPr>
+        <a:xfrm>
+          <a:off x="0" y="0"/>
+          <a:ext cx="0" cy="0"/>
+          <a:chOff x="0" y="0"/>
+          <a:chExt cx="0" cy="0"/>
+        </a:xfrm>
+      </p:grpSpPr>
+      <p:sp>
+        <p:nvSpPr>
+          <p:cNvPr id="2" name="Title 1">
+            <a:extLst>
+              <a:ext uri="{FF2B5EF4-FFF2-40B4-BE49-F238E27FC236}">
+                <a16:creationId xmlns:a16="http://schemas.microsoft.com/office/drawing/2014/main" id="{718430A0-1457-87F8-1E7C-350D19361670}"/>
+              </a:ext>
+            </a:extLst>
+          </p:cNvPr>
+          <p:cNvSpPr>
+            <a:spLocks noGrp="1"/>
+          </p:cNvSpPr>
+          <p:nvPr>
+            <p:ph type="title"/>
+          </p:nvPr>
+        </p:nvSpPr>
+        <p:spPr/>
+        <p:txBody>
+          <a:bodyPr/>
+          <a:lstStyle/>
+          <a:p>
+            <a:endParaRPr lang="en-IE"/>
+          </a:p>
+        </p:txBody>
+      </p:sp>
+      <p:sp>
+        <p:nvSpPr>
+          <p:cNvPr id="3" name="Content Placeholder 2">
+            <a:extLst>
+              <a:ext uri="{FF2B5EF4-FFF2-40B4-BE49-F238E27FC236}">
+                <a16:creationId xmlns:a16="http://schemas.microsoft.com/office/drawing/2014/main" id="{9BFC3D0F-9A0B-0E88-A0BE-159C4E8FB836}"/>
+              </a:ext>
+            </a:extLst>
+          </p:cNvPr>
+          <p:cNvSpPr>
+            <a:spLocks noGrp="1"/>
+          </p:cNvSpPr>
+          <p:nvPr>
+            <p:ph idx="1"/>
+          </p:nvPr>
+        </p:nvSpPr>
+        <p:spPr/>
+        <p:txBody>
+          <a:bodyPr/>
+          <a:lstStyle/>
+          <a:p>
+            <a:endParaRPr lang="en-IE"/>
+          </a:p>
+        </p:txBody>
+      </p:sp>
+      <p:pic>
+        <p:nvPicPr>
+          <p:cNvPr id="5" name="Picture 4">
+            <a:extLst>
+              <a:ext uri="{FF2B5EF4-FFF2-40B4-BE49-F238E27FC236}">
+                <a16:creationId xmlns:a16="http://schemas.microsoft.com/office/drawing/2014/main" id="{915A52CC-CA98-7AD4-EC45-40982F563DF7}"/>
+              </a:ext>
+            </a:extLst>
+          </p:cNvPr>
+          <p:cNvPicPr>
+            <a:picLocks noChangeAspect="1"/>
+          </p:cNvPicPr>
+          <p:nvPr/>
+        </p:nvPicPr>
+        <p:blipFill>
+          <a:blip r:embed="rId2"/>
+          <a:stretch>
+            <a:fillRect/>
+          </a:stretch>
+        </p:blipFill>
+        <p:spPr>
+          <a:xfrm>
+            <a:off x="0" y="330981"/>
+            <a:ext cx="12192000" cy="6196038"/>
+          </a:xfrm>
+          <a:prstGeom prst="rect">
+            <a:avLst/>
+          </a:prstGeom>
+        </p:spPr>
+      </p:pic>
+    </p:spTree>
+    <p:extLst>
+      <p:ext uri="{BB962C8B-B14F-4D97-AF65-F5344CB8AC3E}">
+        <p14:creationId xmlns:p14="http://schemas.microsoft.com/office/powerpoint/2010/main" val="2332568247"/>
+      </p:ext>
+    </p:extLst>
+  </p:cSld>
+  <p:clrMapOvr>
+    <a:masterClrMapping/>
+  </p:clrMapOvr>
+</p:sld>
+</file>
+
+<file path=ppt/slides/slide11.xml><?xml version="1.0" encoding="utf-8"?>
+<p:sld xmlns:a="http://schemas.openxmlformats.org/drawingml/2006/main" xmlns:r="http://schemas.openxmlformats.org/officeDocument/2006/relationships" xmlns:p="http://schemas.openxmlformats.org/presentationml/2006/main" show="0">
   <p:cSld>
     <p:spTree>
       <p:nvGrpSpPr>
@@ -4066,8 +4177,8 @@
 </p:sld>
 </file>
 
-<file path=ppt/slides/slide11.xml><?xml version="1.0" encoding="utf-8"?>
-<p:sld xmlns:a="http://schemas.openxmlformats.org/drawingml/2006/main" xmlns:r="http://schemas.openxmlformats.org/officeDocument/2006/relationships" xmlns:p="http://schemas.openxmlformats.org/presentationml/2006/main">
+<file path=ppt/slides/slide12.xml><?xml version="1.0" encoding="utf-8"?>
+<p:sld xmlns:a="http://schemas.openxmlformats.org/drawingml/2006/main" xmlns:r="http://schemas.openxmlformats.org/officeDocument/2006/relationships" xmlns:p="http://schemas.openxmlformats.org/presentationml/2006/main" show="0">
   <p:cSld>
     <p:spTree>
       <p:nvGrpSpPr>
@@ -4176,7 +4287,7 @@
 </p:sld>
 </file>
 
-<file path=ppt/slides/slide12.xml><?xml version="1.0" encoding="utf-8"?>
+<file path=ppt/slides/slide13.xml><?xml version="1.0" encoding="utf-8"?>
 <p:sld xmlns:a="http://schemas.openxmlformats.org/drawingml/2006/main" xmlns:r="http://schemas.openxmlformats.org/officeDocument/2006/relationships" xmlns:p="http://schemas.openxmlformats.org/presentationml/2006/main">
   <p:cSld>
     <p:spTree>
@@ -4418,7 +4529,7 @@
 </p:sld>
 </file>
 
-<file path=ppt/slides/slide13.xml><?xml version="1.0" encoding="utf-8"?>
+<file path=ppt/slides/slide14.xml><?xml version="1.0" encoding="utf-8"?>
 <p:sld xmlns:a="http://schemas.openxmlformats.org/drawingml/2006/main" xmlns:r="http://schemas.openxmlformats.org/officeDocument/2006/relationships" xmlns:p="http://schemas.openxmlformats.org/presentationml/2006/main">
   <p:cSld>
     <p:spTree>
@@ -4634,7 +4745,7 @@
 </p:sld>
 </file>
 
-<file path=ppt/slides/slide14.xml><?xml version="1.0" encoding="utf-8"?>
+<file path=ppt/slides/slide15.xml><?xml version="1.0" encoding="utf-8"?>
 <p:sld xmlns:a="http://schemas.openxmlformats.org/drawingml/2006/main" xmlns:r="http://schemas.openxmlformats.org/officeDocument/2006/relationships" xmlns:p="http://schemas.openxmlformats.org/presentationml/2006/main">
   <p:cSld>
     <p:spTree>
@@ -4812,6 +4923,100 @@
           <a:chExt cx="0" cy="0"/>
         </a:xfrm>
       </p:grpSpPr>
+      <p:pic>
+        <p:nvPicPr>
+          <p:cNvPr id="5" name="Content Placeholder 4" descr="A diagram of a graph&#10;&#10;Description automatically generated with medium confidence">
+            <a:extLst>
+              <a:ext uri="{FF2B5EF4-FFF2-40B4-BE49-F238E27FC236}">
+                <a16:creationId xmlns:a16="http://schemas.microsoft.com/office/drawing/2014/main" id="{90A2CB0B-4EE9-6E30-ECCA-0A596E5938D8}"/>
+              </a:ext>
+            </a:extLst>
+          </p:cNvPr>
+          <p:cNvPicPr>
+            <a:picLocks noGrp="1" noChangeAspect="1"/>
+          </p:cNvPicPr>
+          <p:nvPr>
+            <p:ph idx="1"/>
+          </p:nvPr>
+        </p:nvPicPr>
+        <p:blipFill>
+          <a:blip r:embed="rId2">
+            <a:extLst>
+              <a:ext uri="{28A0092B-C50C-407E-A947-70E740481C1C}">
+                <a14:useLocalDpi xmlns:a14="http://schemas.microsoft.com/office/drawing/2010/main" val="0"/>
+              </a:ext>
+            </a:extLst>
+          </a:blip>
+          <a:stretch>
+            <a:fillRect/>
+          </a:stretch>
+        </p:blipFill>
+        <p:spPr>
+          <a:xfrm>
+            <a:off x="2010748" y="622016"/>
+            <a:ext cx="8170504" cy="5870859"/>
+          </a:xfrm>
+        </p:spPr>
+      </p:pic>
+      <p:sp>
+        <p:nvSpPr>
+          <p:cNvPr id="2" name="Title 1">
+            <a:extLst>
+              <a:ext uri="{FF2B5EF4-FFF2-40B4-BE49-F238E27FC236}">
+                <a16:creationId xmlns:a16="http://schemas.microsoft.com/office/drawing/2014/main" id="{51222EB8-FCE8-709A-AF2C-97BA79C6BBBA}"/>
+              </a:ext>
+            </a:extLst>
+          </p:cNvPr>
+          <p:cNvSpPr>
+            <a:spLocks noGrp="1"/>
+          </p:cNvSpPr>
+          <p:nvPr>
+            <p:ph type="title"/>
+          </p:nvPr>
+        </p:nvSpPr>
+        <p:spPr/>
+        <p:txBody>
+          <a:bodyPr/>
+          <a:lstStyle/>
+          <a:p>
+            <a:r>
+              <a:rPr lang="en-US" altLang="zh-CN" dirty="0"/>
+              <a:t>Delay elimination</a:t>
+            </a:r>
+            <a:endParaRPr lang="en-IE" dirty="0"/>
+          </a:p>
+        </p:txBody>
+      </p:sp>
+    </p:spTree>
+    <p:extLst>
+      <p:ext uri="{BB962C8B-B14F-4D97-AF65-F5344CB8AC3E}">
+        <p14:creationId xmlns:p14="http://schemas.microsoft.com/office/powerpoint/2010/main" val="1890078722"/>
+      </p:ext>
+    </p:extLst>
+  </p:cSld>
+  <p:clrMapOvr>
+    <a:masterClrMapping/>
+  </p:clrMapOvr>
+</p:sld>
+</file>
+
+<file path=ppt/slides/slide3.xml><?xml version="1.0" encoding="utf-8"?>
+<p:sld xmlns:a="http://schemas.openxmlformats.org/drawingml/2006/main" xmlns:r="http://schemas.openxmlformats.org/officeDocument/2006/relationships" xmlns:p="http://schemas.openxmlformats.org/presentationml/2006/main" show="0">
+  <p:cSld>
+    <p:spTree>
+      <p:nvGrpSpPr>
+        <p:cNvPr id="1" name=""/>
+        <p:cNvGrpSpPr/>
+        <p:nvPr/>
+      </p:nvGrpSpPr>
+      <p:grpSpPr>
+        <a:xfrm>
+          <a:off x="0" y="0"/>
+          <a:ext cx="0" cy="0"/>
+          <a:chOff x="0" y="0"/>
+          <a:chExt cx="0" cy="0"/>
+        </a:xfrm>
+      </p:grpSpPr>
       <p:sp>
         <p:nvSpPr>
           <p:cNvPr id="2" name="Title 1">
@@ -4905,8 +5110,8 @@
 </p:sld>
 </file>
 
-<file path=ppt/slides/slide3.xml><?xml version="1.0" encoding="utf-8"?>
-<p:sld xmlns:a="http://schemas.openxmlformats.org/drawingml/2006/main" xmlns:r="http://schemas.openxmlformats.org/officeDocument/2006/relationships" xmlns:p="http://schemas.openxmlformats.org/presentationml/2006/main">
+<file path=ppt/slides/slide4.xml><?xml version="1.0" encoding="utf-8"?>
+<p:sld xmlns:a="http://schemas.openxmlformats.org/drawingml/2006/main" xmlns:r="http://schemas.openxmlformats.org/officeDocument/2006/relationships" xmlns:p="http://schemas.openxmlformats.org/presentationml/2006/main" show="0">
   <p:cSld>
     <p:spTree>
       <p:nvGrpSpPr>
@@ -5138,7 +5343,7 @@
 </p:sld>
 </file>
 
-<file path=ppt/slides/slide4.xml><?xml version="1.0" encoding="utf-8"?>
+<file path=ppt/slides/slide5.xml><?xml version="1.0" encoding="utf-8"?>
 <p:sld xmlns:a="http://schemas.openxmlformats.org/drawingml/2006/main" xmlns:r="http://schemas.openxmlformats.org/officeDocument/2006/relationships" xmlns:p="http://schemas.openxmlformats.org/presentationml/2006/main">
   <p:cSld>
     <p:spTree>
@@ -5265,8 +5470,8 @@
           </a:prstGeom>
         </p:spPr>
       </p:pic>
-      <mc:AlternateContent xmlns:mc="http://schemas.openxmlformats.org/markup-compatibility/2006">
-        <mc:Choice xmlns:p14="http://schemas.microsoft.com/office/powerpoint/2010/main" xmlns:aink="http://schemas.microsoft.com/office/drawing/2016/ink" Requires="p14 aink">
+      <mc:AlternateContent xmlns:mc="http://schemas.openxmlformats.org/markup-compatibility/2006" xmlns:p14="http://schemas.microsoft.com/office/powerpoint/2010/main" xmlns:aink="http://schemas.microsoft.com/office/drawing/2016/ink">
+        <mc:Choice Requires="p14 aink">
           <p:contentPart p14:bwMode="auto" r:id="rId4">
             <p14:nvContentPartPr>
               <p14:cNvPr id="7" name="Ink 6">
@@ -5285,7 +5490,7 @@
             </p14:xfrm>
           </p:contentPart>
         </mc:Choice>
-        <mc:Fallback>
+        <mc:Fallback xmlns="">
           <p:pic>
             <p:nvPicPr>
               <p:cNvPr id="7" name="Ink 6">
@@ -5316,8 +5521,8 @@
           </p:pic>
         </mc:Fallback>
       </mc:AlternateContent>
-      <mc:AlternateContent xmlns:mc="http://schemas.openxmlformats.org/markup-compatibility/2006">
-        <mc:Choice xmlns:p14="http://schemas.microsoft.com/office/powerpoint/2010/main" xmlns:aink="http://schemas.microsoft.com/office/drawing/2016/ink" Requires="p14 aink">
+      <mc:AlternateContent xmlns:mc="http://schemas.openxmlformats.org/markup-compatibility/2006" xmlns:p14="http://schemas.microsoft.com/office/powerpoint/2010/main" xmlns:aink="http://schemas.microsoft.com/office/drawing/2016/ink">
+        <mc:Choice Requires="p14 aink">
           <p:contentPart p14:bwMode="auto" r:id="rId6">
             <p14:nvContentPartPr>
               <p14:cNvPr id="8" name="Ink 7">
@@ -5336,7 +5541,7 @@
             </p14:xfrm>
           </p:contentPart>
         </mc:Choice>
-        <mc:Fallback>
+        <mc:Fallback xmlns="">
           <p:pic>
             <p:nvPicPr>
               <p:cNvPr id="8" name="Ink 7">
@@ -5367,8 +5572,8 @@
           </p:pic>
         </mc:Fallback>
       </mc:AlternateContent>
-      <mc:AlternateContent xmlns:mc="http://schemas.openxmlformats.org/markup-compatibility/2006">
-        <mc:Choice xmlns:p14="http://schemas.microsoft.com/office/powerpoint/2010/main" xmlns:aink="http://schemas.microsoft.com/office/drawing/2016/ink" Requires="p14 aink">
+      <mc:AlternateContent xmlns:mc="http://schemas.openxmlformats.org/markup-compatibility/2006" xmlns:p14="http://schemas.microsoft.com/office/powerpoint/2010/main" xmlns:aink="http://schemas.microsoft.com/office/drawing/2016/ink">
+        <mc:Choice Requires="p14 aink">
           <p:contentPart p14:bwMode="auto" r:id="rId8">
             <p14:nvContentPartPr>
               <p14:cNvPr id="9" name="Ink 8">
@@ -5387,7 +5592,7 @@
             </p14:xfrm>
           </p:contentPart>
         </mc:Choice>
-        <mc:Fallback>
+        <mc:Fallback xmlns="">
           <p:pic>
             <p:nvPicPr>
               <p:cNvPr id="9" name="Ink 8">
@@ -5418,8 +5623,8 @@
           </p:pic>
         </mc:Fallback>
       </mc:AlternateContent>
-      <mc:AlternateContent xmlns:mc="http://schemas.openxmlformats.org/markup-compatibility/2006">
-        <mc:Choice xmlns:p14="http://schemas.microsoft.com/office/powerpoint/2010/main" xmlns:aink="http://schemas.microsoft.com/office/drawing/2016/ink" Requires="p14 aink">
+      <mc:AlternateContent xmlns:mc="http://schemas.openxmlformats.org/markup-compatibility/2006" xmlns:p14="http://schemas.microsoft.com/office/powerpoint/2010/main" xmlns:aink="http://schemas.microsoft.com/office/drawing/2016/ink">
+        <mc:Choice Requires="p14 aink">
           <p:contentPart p14:bwMode="auto" r:id="rId10">
             <p14:nvContentPartPr>
               <p14:cNvPr id="10" name="Ink 9">
@@ -5438,7 +5643,7 @@
             </p14:xfrm>
           </p:contentPart>
         </mc:Choice>
-        <mc:Fallback>
+        <mc:Fallback xmlns="">
           <p:pic>
             <p:nvPicPr>
               <p:cNvPr id="10" name="Ink 9">
@@ -5469,8 +5674,8 @@
           </p:pic>
         </mc:Fallback>
       </mc:AlternateContent>
-      <mc:AlternateContent xmlns:mc="http://schemas.openxmlformats.org/markup-compatibility/2006">
-        <mc:Choice xmlns:p14="http://schemas.microsoft.com/office/powerpoint/2010/main" xmlns:aink="http://schemas.microsoft.com/office/drawing/2016/ink" Requires="p14 aink">
+      <mc:AlternateContent xmlns:mc="http://schemas.openxmlformats.org/markup-compatibility/2006" xmlns:p14="http://schemas.microsoft.com/office/powerpoint/2010/main" xmlns:aink="http://schemas.microsoft.com/office/drawing/2016/ink">
+        <mc:Choice Requires="p14 aink">
           <p:contentPart p14:bwMode="auto" r:id="rId12">
             <p14:nvContentPartPr>
               <p14:cNvPr id="11" name="Ink 10">
@@ -5489,7 +5694,7 @@
             </p14:xfrm>
           </p:contentPart>
         </mc:Choice>
-        <mc:Fallback>
+        <mc:Fallback xmlns="">
           <p:pic>
             <p:nvPicPr>
               <p:cNvPr id="11" name="Ink 10">
@@ -5520,8 +5725,8 @@
           </p:pic>
         </mc:Fallback>
       </mc:AlternateContent>
-      <mc:AlternateContent xmlns:mc="http://schemas.openxmlformats.org/markup-compatibility/2006">
-        <mc:Choice xmlns:p14="http://schemas.microsoft.com/office/powerpoint/2010/main" xmlns:aink="http://schemas.microsoft.com/office/drawing/2016/ink" Requires="p14 aink">
+      <mc:AlternateContent xmlns:mc="http://schemas.openxmlformats.org/markup-compatibility/2006" xmlns:p14="http://schemas.microsoft.com/office/powerpoint/2010/main" xmlns:aink="http://schemas.microsoft.com/office/drawing/2016/ink">
+        <mc:Choice Requires="p14 aink">
           <p:contentPart p14:bwMode="auto" r:id="rId14">
             <p14:nvContentPartPr>
               <p14:cNvPr id="12" name="Ink 11">
@@ -5540,7 +5745,7 @@
             </p14:xfrm>
           </p:contentPart>
         </mc:Choice>
-        <mc:Fallback>
+        <mc:Fallback xmlns="">
           <p:pic>
             <p:nvPicPr>
               <p:cNvPr id="12" name="Ink 11">
@@ -5571,8 +5776,8 @@
           </p:pic>
         </mc:Fallback>
       </mc:AlternateContent>
-      <mc:AlternateContent xmlns:mc="http://schemas.openxmlformats.org/markup-compatibility/2006">
-        <mc:Choice xmlns:p14="http://schemas.microsoft.com/office/powerpoint/2010/main" xmlns:aink="http://schemas.microsoft.com/office/drawing/2016/ink" Requires="p14 aink">
+      <mc:AlternateContent xmlns:mc="http://schemas.openxmlformats.org/markup-compatibility/2006" xmlns:p14="http://schemas.microsoft.com/office/powerpoint/2010/main" xmlns:aink="http://schemas.microsoft.com/office/drawing/2016/ink">
+        <mc:Choice Requires="p14 aink">
           <p:contentPart p14:bwMode="auto" r:id="rId16">
             <p14:nvContentPartPr>
               <p14:cNvPr id="13" name="Ink 12">
@@ -5591,7 +5796,7 @@
             </p14:xfrm>
           </p:contentPart>
         </mc:Choice>
-        <mc:Fallback>
+        <mc:Fallback xmlns="">
           <p:pic>
             <p:nvPicPr>
               <p:cNvPr id="13" name="Ink 12">
@@ -5622,8 +5827,8 @@
           </p:pic>
         </mc:Fallback>
       </mc:AlternateContent>
-      <mc:AlternateContent xmlns:mc="http://schemas.openxmlformats.org/markup-compatibility/2006">
-        <mc:Choice xmlns:p14="http://schemas.microsoft.com/office/powerpoint/2010/main" xmlns:aink="http://schemas.microsoft.com/office/drawing/2016/ink" Requires="p14 aink">
+      <mc:AlternateContent xmlns:mc="http://schemas.openxmlformats.org/markup-compatibility/2006" xmlns:p14="http://schemas.microsoft.com/office/powerpoint/2010/main" xmlns:aink="http://schemas.microsoft.com/office/drawing/2016/ink">
+        <mc:Choice Requires="p14 aink">
           <p:contentPart p14:bwMode="auto" r:id="rId18">
             <p14:nvContentPartPr>
               <p14:cNvPr id="14" name="Ink 13">
@@ -5642,7 +5847,7 @@
             </p14:xfrm>
           </p:contentPart>
         </mc:Choice>
-        <mc:Fallback>
+        <mc:Fallback xmlns="">
           <p:pic>
             <p:nvPicPr>
               <p:cNvPr id="14" name="Ink 13">
@@ -5703,8 +5908,8 @@
           </a:prstGeom>
         </p:spPr>
       </p:pic>
-      <mc:AlternateContent xmlns:mc="http://schemas.openxmlformats.org/markup-compatibility/2006">
-        <mc:Choice xmlns:p14="http://schemas.microsoft.com/office/powerpoint/2010/main" xmlns:aink="http://schemas.microsoft.com/office/drawing/2016/ink" Requires="p14 aink">
+      <mc:AlternateContent xmlns:mc="http://schemas.openxmlformats.org/markup-compatibility/2006" xmlns:p14="http://schemas.microsoft.com/office/powerpoint/2010/main" xmlns:aink="http://schemas.microsoft.com/office/drawing/2016/ink">
+        <mc:Choice Requires="p14 aink">
           <p:contentPart p14:bwMode="auto" r:id="rId21">
             <p14:nvContentPartPr>
               <p14:cNvPr id="17" name="Ink 16">
@@ -5723,7 +5928,7 @@
             </p14:xfrm>
           </p:contentPart>
         </mc:Choice>
-        <mc:Fallback>
+        <mc:Fallback xmlns="">
           <p:pic>
             <p:nvPicPr>
               <p:cNvPr id="17" name="Ink 16">
@@ -5754,8 +5959,8 @@
           </p:pic>
         </mc:Fallback>
       </mc:AlternateContent>
-      <mc:AlternateContent xmlns:mc="http://schemas.openxmlformats.org/markup-compatibility/2006">
-        <mc:Choice xmlns:p14="http://schemas.microsoft.com/office/powerpoint/2010/main" xmlns:aink="http://schemas.microsoft.com/office/drawing/2016/ink" Requires="p14 aink">
+      <mc:AlternateContent xmlns:mc="http://schemas.openxmlformats.org/markup-compatibility/2006" xmlns:p14="http://schemas.microsoft.com/office/powerpoint/2010/main" xmlns:aink="http://schemas.microsoft.com/office/drawing/2016/ink">
+        <mc:Choice Requires="p14 aink">
           <p:contentPart p14:bwMode="auto" r:id="rId23">
             <p14:nvContentPartPr>
               <p14:cNvPr id="18" name="Ink 17">
@@ -5774,7 +5979,7 @@
             </p14:xfrm>
           </p:contentPart>
         </mc:Choice>
-        <mc:Fallback>
+        <mc:Fallback xmlns="">
           <p:pic>
             <p:nvPicPr>
               <p:cNvPr id="18" name="Ink 17">
@@ -5818,8 +6023,8 @@
 </p:sld>
 </file>
 
-<file path=ppt/slides/slide5.xml><?xml version="1.0" encoding="utf-8"?>
-<p:sld xmlns:a="http://schemas.openxmlformats.org/drawingml/2006/main" xmlns:r="http://schemas.openxmlformats.org/officeDocument/2006/relationships" xmlns:p="http://schemas.openxmlformats.org/presentationml/2006/main">
+<file path=ppt/slides/slide6.xml><?xml version="1.0" encoding="utf-8"?>
+<p:sld xmlns:a="http://schemas.openxmlformats.org/drawingml/2006/main" xmlns:r="http://schemas.openxmlformats.org/officeDocument/2006/relationships" xmlns:p="http://schemas.openxmlformats.org/presentationml/2006/main" show="0">
   <p:cSld>
     <p:spTree>
       <p:nvGrpSpPr>
@@ -5928,8 +6133,8 @@
 </p:sld>
 </file>
 
-<file path=ppt/slides/slide6.xml><?xml version="1.0" encoding="utf-8"?>
-<p:sld xmlns:a="http://schemas.openxmlformats.org/drawingml/2006/main" xmlns:r="http://schemas.openxmlformats.org/officeDocument/2006/relationships" xmlns:p="http://schemas.openxmlformats.org/presentationml/2006/main">
+<file path=ppt/slides/slide7.xml><?xml version="1.0" encoding="utf-8"?>
+<p:sld xmlns:a="http://schemas.openxmlformats.org/drawingml/2006/main" xmlns:r="http://schemas.openxmlformats.org/officeDocument/2006/relationships" xmlns:p="http://schemas.openxmlformats.org/presentationml/2006/main" show="0">
   <p:cSld>
     <p:spTree>
       <p:nvGrpSpPr>
@@ -6038,8 +6243,8 @@
 </p:sld>
 </file>
 
-<file path=ppt/slides/slide7.xml><?xml version="1.0" encoding="utf-8"?>
-<p:sld xmlns:a="http://schemas.openxmlformats.org/drawingml/2006/main" xmlns:r="http://schemas.openxmlformats.org/officeDocument/2006/relationships" xmlns:p="http://schemas.openxmlformats.org/presentationml/2006/main">
+<file path=ppt/slides/slide8.xml><?xml version="1.0" encoding="utf-8"?>
+<p:sld xmlns:a="http://schemas.openxmlformats.org/drawingml/2006/main" xmlns:r="http://schemas.openxmlformats.org/officeDocument/2006/relationships" xmlns:p="http://schemas.openxmlformats.org/presentationml/2006/main" show="0">
   <p:cSld>
     <p:spTree>
       <p:nvGrpSpPr>
@@ -6148,8 +6353,8 @@
 </p:sld>
 </file>
 
-<file path=ppt/slides/slide8.xml><?xml version="1.0" encoding="utf-8"?>
-<p:sld xmlns:a="http://schemas.openxmlformats.org/drawingml/2006/main" xmlns:r="http://schemas.openxmlformats.org/officeDocument/2006/relationships" xmlns:p="http://schemas.openxmlformats.org/presentationml/2006/main">
+<file path=ppt/slides/slide9.xml><?xml version="1.0" encoding="utf-8"?>
+<p:sld xmlns:a="http://schemas.openxmlformats.org/drawingml/2006/main" xmlns:r="http://schemas.openxmlformats.org/officeDocument/2006/relationships" xmlns:p="http://schemas.openxmlformats.org/presentationml/2006/main" show="0">
   <p:cSld>
     <p:spTree>
       <p:nvGrpSpPr>
@@ -6249,116 +6454,6 @@
     <p:extLst>
       <p:ext uri="{BB962C8B-B14F-4D97-AF65-F5344CB8AC3E}">
         <p14:creationId xmlns:p14="http://schemas.microsoft.com/office/powerpoint/2010/main" val="4246559501"/>
-      </p:ext>
-    </p:extLst>
-  </p:cSld>
-  <p:clrMapOvr>
-    <a:masterClrMapping/>
-  </p:clrMapOvr>
-</p:sld>
-</file>
-
-<file path=ppt/slides/slide9.xml><?xml version="1.0" encoding="utf-8"?>
-<p:sld xmlns:a="http://schemas.openxmlformats.org/drawingml/2006/main" xmlns:r="http://schemas.openxmlformats.org/officeDocument/2006/relationships" xmlns:p="http://schemas.openxmlformats.org/presentationml/2006/main">
-  <p:cSld>
-    <p:spTree>
-      <p:nvGrpSpPr>
-        <p:cNvPr id="1" name=""/>
-        <p:cNvGrpSpPr/>
-        <p:nvPr/>
-      </p:nvGrpSpPr>
-      <p:grpSpPr>
-        <a:xfrm>
-          <a:off x="0" y="0"/>
-          <a:ext cx="0" cy="0"/>
-          <a:chOff x="0" y="0"/>
-          <a:chExt cx="0" cy="0"/>
-        </a:xfrm>
-      </p:grpSpPr>
-      <p:sp>
-        <p:nvSpPr>
-          <p:cNvPr id="2" name="Title 1">
-            <a:extLst>
-              <a:ext uri="{FF2B5EF4-FFF2-40B4-BE49-F238E27FC236}">
-                <a16:creationId xmlns:a16="http://schemas.microsoft.com/office/drawing/2014/main" id="{718430A0-1457-87F8-1E7C-350D19361670}"/>
-              </a:ext>
-            </a:extLst>
-          </p:cNvPr>
-          <p:cNvSpPr>
-            <a:spLocks noGrp="1"/>
-          </p:cNvSpPr>
-          <p:nvPr>
-            <p:ph type="title"/>
-          </p:nvPr>
-        </p:nvSpPr>
-        <p:spPr/>
-        <p:txBody>
-          <a:bodyPr/>
-          <a:lstStyle/>
-          <a:p>
-            <a:endParaRPr lang="en-IE"/>
-          </a:p>
-        </p:txBody>
-      </p:sp>
-      <p:sp>
-        <p:nvSpPr>
-          <p:cNvPr id="3" name="Content Placeholder 2">
-            <a:extLst>
-              <a:ext uri="{FF2B5EF4-FFF2-40B4-BE49-F238E27FC236}">
-                <a16:creationId xmlns:a16="http://schemas.microsoft.com/office/drawing/2014/main" id="{9BFC3D0F-9A0B-0E88-A0BE-159C4E8FB836}"/>
-              </a:ext>
-            </a:extLst>
-          </p:cNvPr>
-          <p:cNvSpPr>
-            <a:spLocks noGrp="1"/>
-          </p:cNvSpPr>
-          <p:nvPr>
-            <p:ph idx="1"/>
-          </p:nvPr>
-        </p:nvSpPr>
-        <p:spPr/>
-        <p:txBody>
-          <a:bodyPr/>
-          <a:lstStyle/>
-          <a:p>
-            <a:endParaRPr lang="en-IE"/>
-          </a:p>
-        </p:txBody>
-      </p:sp>
-      <p:pic>
-        <p:nvPicPr>
-          <p:cNvPr id="5" name="Picture 4">
-            <a:extLst>
-              <a:ext uri="{FF2B5EF4-FFF2-40B4-BE49-F238E27FC236}">
-                <a16:creationId xmlns:a16="http://schemas.microsoft.com/office/drawing/2014/main" id="{915A52CC-CA98-7AD4-EC45-40982F563DF7}"/>
-              </a:ext>
-            </a:extLst>
-          </p:cNvPr>
-          <p:cNvPicPr>
-            <a:picLocks noChangeAspect="1"/>
-          </p:cNvPicPr>
-          <p:nvPr/>
-        </p:nvPicPr>
-        <p:blipFill>
-          <a:blip r:embed="rId2"/>
-          <a:stretch>
-            <a:fillRect/>
-          </a:stretch>
-        </p:blipFill>
-        <p:spPr>
-          <a:xfrm>
-            <a:off x="0" y="330981"/>
-            <a:ext cx="12192000" cy="6196038"/>
-          </a:xfrm>
-          <a:prstGeom prst="rect">
-            <a:avLst/>
-          </a:prstGeom>
-        </p:spPr>
-      </p:pic>
-    </p:spTree>
-    <p:extLst>
-      <p:ext uri="{BB962C8B-B14F-4D97-AF65-F5344CB8AC3E}">
-        <p14:creationId xmlns:p14="http://schemas.microsoft.com/office/powerpoint/2010/main" val="2332568247"/>
       </p:ext>
     </p:extLst>
   </p:cSld>
